--- a/_site/translations/en-us/CoreValues/IntroductiontoCV.pptx
+++ b/_site/translations/en-us/CoreValues/IntroductiontoCV.pptx
@@ -1,6 +1,6 @@
 
 <file path=ppt/presentation.xml><?xml version="1.0" encoding="utf-8"?>
-<p:presentation xmlns:a="http://schemas.openxmlformats.org/drawingml/2006/main" xmlns:r="http://schemas.openxmlformats.org/officeDocument/2006/relationships" xmlns:p="http://schemas.openxmlformats.org/presentationml/2006/main" showSpecialPlsOnTitleSld="0" autoCompressPictures="0">
+<p:presentation xmlns:a="http://schemas.openxmlformats.org/drawingml/2006/main" xmlns:r="http://schemas.openxmlformats.org/officeDocument/2006/relationships" xmlns:p="http://schemas.openxmlformats.org/presentationml/2006/main" autoCompressPictures="0">
   <p:sldMasterIdLst>
     <p:sldMasterId id="2147483672" r:id="rId1"/>
   </p:sldMasterIdLst>
@@ -10,14 +10,14 @@
   <p:sldIdLst>
     <p:sldId id="256" r:id="rId2"/>
     <p:sldId id="392" r:id="rId3"/>
-    <p:sldId id="380" r:id="rId4"/>
-    <p:sldId id="390" r:id="rId5"/>
-    <p:sldId id="391" r:id="rId6"/>
-    <p:sldId id="395" r:id="rId7"/>
-    <p:sldId id="396" r:id="rId8"/>
-    <p:sldId id="397" r:id="rId9"/>
-    <p:sldId id="393" r:id="rId10"/>
-    <p:sldId id="398" r:id="rId11"/>
+    <p:sldId id="399" r:id="rId4"/>
+    <p:sldId id="395" r:id="rId5"/>
+    <p:sldId id="390" r:id="rId6"/>
+    <p:sldId id="391" r:id="rId7"/>
+    <p:sldId id="400" r:id="rId8"/>
+    <p:sldId id="396" r:id="rId9"/>
+    <p:sldId id="398" r:id="rId10"/>
+    <p:sldId id="397" r:id="rId11"/>
     <p:sldId id="265" r:id="rId12"/>
   </p:sldIdLst>
   <p:sldSz cx="9144000" cy="6858000" type="screen4x3"/>
@@ -207,7 +207,7 @@
           <a:p>
             <a:fld id="{C528CD71-4833-D241-9C24-E07BA428460D}" type="datetimeFigureOut">
               <a:rPr lang="en-US" smtClean="0"/>
-              <a:t>7/18/18</a:t>
+              <a:t>10/27/22</a:t>
             </a:fld>
             <a:endParaRPr lang="en-US"/>
           </a:p>
@@ -553,7 +553,7 @@
           <a:p>
             <a:fld id="{0A00405A-C828-A846-81DA-BAF767097F69}" type="slidenum">
               <a:rPr lang="en-US" smtClean="0"/>
-              <a:t>6</a:t>
+              <a:t>4</a:t>
             </a:fld>
             <a:endParaRPr lang="en-US"/>
           </a:p>
@@ -781,140 +781,6 @@
             </a:lvl9pPr>
           </a:lstStyle>
           <a:p>
-            <a:endParaRPr lang="en-US" dirty="0"/>
-          </a:p>
-        </p:txBody>
-      </p:sp>
-      <p:sp>
-        <p:nvSpPr>
-          <p:cNvPr id="4" name="Date Placeholder 3"/>
-          <p:cNvSpPr>
-            <a:spLocks noGrp="1"/>
-          </p:cNvSpPr>
-          <p:nvPr>
-            <p:ph type="dt" sz="half" idx="10"/>
-          </p:nvPr>
-        </p:nvSpPr>
-        <p:spPr>
-          <a:xfrm>
-            <a:off x="5559327" y="6392242"/>
-            <a:ext cx="2133600" cy="365125"/>
-          </a:xfrm>
-          <a:prstGeom prst="rect">
-            <a:avLst/>
-          </a:prstGeom>
-        </p:spPr>
-        <p:txBody>
-          <a:bodyPr/>
-          <a:lstStyle>
-            <a:lvl1pPr>
-              <a:defRPr>
-                <a:solidFill>
-                  <a:schemeClr val="accent1">
-                    <a:lumMod val="75000"/>
-                    <a:lumOff val="25000"/>
-                  </a:schemeClr>
-                </a:solidFill>
-              </a:defRPr>
-            </a:lvl1pPr>
-          </a:lstStyle>
-          <a:p>
-            <a:r>
-              <a:rPr lang="en-US" dirty="0"/>
-              <a:t>Last Edit</a:t>
-            </a:r>
-            <a:r>
-              <a:rPr lang="en-US"/>
-              <a:t>: </a:t>
-            </a:r>
-            <a:fld id="{691E6EB7-59B6-3248-9EA1-7490FF4DE794}" type="datetime1">
-              <a:rPr lang="en-US" smtClean="0"/>
-              <a:t>7/18/18</a:t>
-            </a:fld>
-            <a:endParaRPr lang="en-US" dirty="0"/>
-          </a:p>
-        </p:txBody>
-      </p:sp>
-      <p:sp>
-        <p:nvSpPr>
-          <p:cNvPr id="5" name="Footer Placeholder 4"/>
-          <p:cNvSpPr>
-            <a:spLocks noGrp="1"/>
-          </p:cNvSpPr>
-          <p:nvPr>
-            <p:ph type="ftr" sz="quarter" idx="11"/>
-          </p:nvPr>
-        </p:nvSpPr>
-        <p:spPr>
-          <a:xfrm>
-            <a:off x="581192" y="6387916"/>
-            <a:ext cx="4870585" cy="365125"/>
-          </a:xfrm>
-          <a:prstGeom prst="rect">
-            <a:avLst/>
-          </a:prstGeom>
-        </p:spPr>
-        <p:txBody>
-          <a:bodyPr/>
-          <a:lstStyle>
-            <a:lvl1pPr>
-              <a:defRPr>
-                <a:solidFill>
-                  <a:schemeClr val="accent1">
-                    <a:lumMod val="75000"/>
-                    <a:lumOff val="25000"/>
-                  </a:schemeClr>
-                </a:solidFill>
-              </a:defRPr>
-            </a:lvl1pPr>
-          </a:lstStyle>
-          <a:p>
-            <a:r>
-              <a:rPr lang="en-US" dirty="0"/>
-              <a:t>Copyright 2018, FLL TUTORIALS</a:t>
-            </a:r>
-          </a:p>
-        </p:txBody>
-      </p:sp>
-      <p:sp>
-        <p:nvSpPr>
-          <p:cNvPr id="6" name="Slide Number Placeholder 5"/>
-          <p:cNvSpPr>
-            <a:spLocks noGrp="1"/>
-          </p:cNvSpPr>
-          <p:nvPr>
-            <p:ph type="sldNum" sz="quarter" idx="12"/>
-          </p:nvPr>
-        </p:nvSpPr>
-        <p:spPr>
-          <a:xfrm>
-            <a:off x="7800476" y="6392242"/>
-            <a:ext cx="770468" cy="365125"/>
-          </a:xfrm>
-          <a:prstGeom prst="rect">
-            <a:avLst/>
-          </a:prstGeom>
-        </p:spPr>
-        <p:txBody>
-          <a:bodyPr/>
-          <a:lstStyle>
-            <a:lvl1pPr>
-              <a:defRPr>
-                <a:solidFill>
-                  <a:schemeClr val="accent1">
-                    <a:lumMod val="75000"/>
-                    <a:lumOff val="25000"/>
-                  </a:schemeClr>
-                </a:solidFill>
-              </a:defRPr>
-            </a:lvl1pPr>
-          </a:lstStyle>
-          <a:p>
-            <a:fld id="{D57F1E4F-1CFF-5643-939E-217C01CDF565}" type="slidenum">
-              <a:rPr lang="en-US" smtClean="0"/>
-              <a:pPr/>
-              <a:t>‹#›</a:t>
-            </a:fld>
             <a:endParaRPr lang="en-US" dirty="0"/>
           </a:p>
         </p:txBody>
@@ -1137,9 +1003,9 @@
           <a:bodyPr/>
           <a:lstStyle/>
           <a:p>
-            <a:fld id="{2A9A2F4D-1D3F-234C-B9C7-336E10B65EEA}" type="datetime1">
+            <a:fld id="{C647DF5E-1337-EC4C-8CA7-FA7CEC0966CA}" type="datetime1">
               <a:rPr lang="en-US" smtClean="0"/>
-              <a:t>7/18/18</a:t>
+              <a:t>10/27/22</a:t>
             </a:fld>
             <a:endParaRPr lang="en-US" dirty="0"/>
           </a:p>
@@ -1170,7 +1036,7 @@
           <a:p>
             <a:r>
               <a:rPr lang="en-US"/>
-              <a:t>Copyright 2018, FLL TUTORIALS</a:t>
+              <a:t>Copyright 2021, FLLTutorials.com</a:t>
             </a:r>
             <a:endParaRPr lang="en-US" dirty="0"/>
           </a:p>
@@ -1396,9 +1262,9 @@
             </a:lvl1pPr>
           </a:lstStyle>
           <a:p>
-            <a:fld id="{23A732DD-4450-D547-94AB-5BCD03AAEF9F}" type="datetime1">
+            <a:fld id="{55353D21-080C-4D44-8D11-3C6BB0225BCE}" type="datetime1">
               <a:rPr lang="en-US" smtClean="0"/>
-              <a:t>7/18/18</a:t>
+              <a:t>10/27/22</a:t>
             </a:fld>
             <a:endParaRPr lang="en-US" dirty="0"/>
           </a:p>
@@ -1429,7 +1295,7 @@
           <a:p>
             <a:r>
               <a:rPr lang="en-US"/>
-              <a:t>Copyright 2018, FLL TUTORIALS</a:t>
+              <a:t>Copyright 2021, FLLTutorials.com</a:t>
             </a:r>
             <a:endParaRPr lang="en-US" dirty="0"/>
           </a:p>
@@ -1691,9 +1557,9 @@
               <a:rPr lang="en-US"/>
               <a:t>: </a:t>
             </a:r>
-            <a:fld id="{720B0A29-EE36-AA4C-B913-76D95CADEC11}" type="datetime1">
+            <a:fld id="{BC4CB9FC-C8C7-1344-82BE-1A105368013D}" type="datetime1">
               <a:rPr lang="en-US" smtClean="0"/>
-              <a:t>7/18/18</a:t>
+              <a:t>10/27/22</a:t>
             </a:fld>
             <a:endParaRPr lang="en-US" dirty="0"/>
           </a:p>
@@ -1717,7 +1583,7 @@
         </p:nvSpPr>
         <p:spPr>
           <a:xfrm>
-            <a:off x="581192" y="6387916"/>
+            <a:off x="0" y="6484317"/>
             <a:ext cx="4870585" cy="365125"/>
           </a:xfrm>
         </p:spPr>
@@ -1725,7 +1591,7 @@
           <a:bodyPr/>
           <a:lstStyle>
             <a:lvl1pPr>
-              <a:defRPr>
+              <a:defRPr sz="1200">
                 <a:solidFill>
                   <a:schemeClr val="accent1">
                     <a:lumMod val="75000"/>
@@ -1737,9 +1603,10 @@
           </a:lstStyle>
           <a:p>
             <a:r>
-              <a:rPr lang="en-US" dirty="0"/>
-              <a:t>Copyright 2018, FLL TUTORIALS</a:t>
-            </a:r>
+              <a:rPr lang="en-US"/>
+              <a:t>Copyright 2021, FLLTutorials.com</a:t>
+            </a:r>
+            <a:endParaRPr lang="en-US" dirty="0"/>
           </a:p>
         </p:txBody>
       </p:sp>
@@ -1761,15 +1628,15 @@
         </p:nvSpPr>
         <p:spPr>
           <a:xfrm>
-            <a:off x="7800476" y="6392242"/>
-            <a:ext cx="770468" cy="365125"/>
+            <a:off x="8686797" y="6488285"/>
+            <a:ext cx="465339" cy="365125"/>
           </a:xfrm>
         </p:spPr>
         <p:txBody>
           <a:bodyPr/>
           <a:lstStyle>
             <a:lvl1pPr>
-              <a:defRPr>
+              <a:defRPr sz="1200">
                 <a:solidFill>
                   <a:schemeClr val="accent1">
                     <a:lumMod val="75000"/>
@@ -2146,7 +2013,7 @@
             <a:fld id="{B61BEF0D-F0BB-DE4B-95CE-6DB70DBA9567}" type="datetimeFigureOut">
               <a:rPr lang="en-US" smtClean="0"/>
               <a:pPr/>
-              <a:t>7/18/18</a:t>
+              <a:t>10/27/22</a:t>
             </a:fld>
             <a:endParaRPr lang="en-US" dirty="0"/>
           </a:p>
@@ -2650,9 +2517,9 @@
           <a:bodyPr/>
           <a:lstStyle/>
           <a:p>
-            <a:fld id="{563BBA33-2247-AD48-9F46-2405C526DA6D}" type="datetime1">
+            <a:fld id="{02CD9E9F-C349-9341-879A-FA6D1C486BDC}" type="datetime1">
               <a:rPr lang="en-US" smtClean="0"/>
-              <a:t>7/18/18</a:t>
+              <a:t>10/27/22</a:t>
             </a:fld>
             <a:endParaRPr lang="en-US" dirty="0"/>
           </a:p>
@@ -2683,7 +2550,7 @@
           <a:p>
             <a:r>
               <a:rPr lang="en-US"/>
-              <a:t>Copyright 2018, FLL TUTORIALS</a:t>
+              <a:t>Copyright 2021, FLLTutorials.com</a:t>
             </a:r>
             <a:endParaRPr lang="en-US" dirty="0"/>
           </a:p>
@@ -3100,9 +2967,9 @@
           <a:bodyPr/>
           <a:lstStyle/>
           <a:p>
-            <a:fld id="{E37A0713-6670-4846-B21D-7F90CC5860BF}" type="datetime1">
+            <a:fld id="{A3D89214-8A44-FC49-8F44-237794C6E57F}" type="datetime1">
               <a:rPr lang="en-US" smtClean="0"/>
-              <a:t>7/18/18</a:t>
+              <a:t>10/27/22</a:t>
             </a:fld>
             <a:endParaRPr lang="en-US" dirty="0"/>
           </a:p>
@@ -3133,7 +3000,7 @@
           <a:p>
             <a:r>
               <a:rPr lang="en-US"/>
-              <a:t>Copyright 2018, FLL TUTORIALS</a:t>
+              <a:t>Copyright 2021, FLLTutorials.com</a:t>
             </a:r>
             <a:endParaRPr lang="en-US" dirty="0"/>
           </a:p>
@@ -3286,9 +3153,9 @@
           <a:bodyPr/>
           <a:lstStyle/>
           <a:p>
-            <a:fld id="{88384E45-FBC5-2346-A08F-1A14F8C36C36}" type="datetime1">
+            <a:fld id="{B6908C58-080D-8B49-A475-4BAFFCC3ADB3}" type="datetime1">
               <a:rPr lang="en-US" smtClean="0"/>
-              <a:t>7/18/18</a:t>
+              <a:t>10/27/22</a:t>
             </a:fld>
             <a:endParaRPr lang="en-US" dirty="0"/>
           </a:p>
@@ -3319,7 +3186,7 @@
           <a:p>
             <a:r>
               <a:rPr lang="en-US"/>
-              <a:t>Copyright 2018, FLL TUTORIALS</a:t>
+              <a:t>Copyright 2021, FLLTutorials.com</a:t>
             </a:r>
             <a:endParaRPr lang="en-US" dirty="0"/>
           </a:p>
@@ -3410,9 +3277,9 @@
           <a:bodyPr/>
           <a:lstStyle/>
           <a:p>
-            <a:fld id="{6D5F60BB-B093-6E49-ADE2-76E74B470241}" type="datetime1">
+            <a:fld id="{51917781-4721-C54B-B713-377DE9897CFE}" type="datetime1">
               <a:rPr lang="en-US" smtClean="0"/>
-              <a:t>7/18/18</a:t>
+              <a:t>10/27/22</a:t>
             </a:fld>
             <a:endParaRPr lang="en-US" dirty="0"/>
           </a:p>
@@ -3443,7 +3310,7 @@
           <a:p>
             <a:r>
               <a:rPr lang="en-US"/>
-              <a:t>Copyright 2018, FLL TUTORIALS</a:t>
+              <a:t>Copyright 2021, FLLTutorials.com</a:t>
             </a:r>
             <a:endParaRPr lang="en-US" dirty="0"/>
           </a:p>
@@ -3817,9 +3684,9 @@
             </a:lvl1pPr>
           </a:lstStyle>
           <a:p>
-            <a:fld id="{5FF1ADD0-D4FD-DD4A-A91F-CB1DE51F1067}" type="datetime1">
+            <a:fld id="{6207F0C9-91B4-AE46-8912-04E0300F4F53}" type="datetime1">
               <a:rPr lang="en-US" smtClean="0"/>
-              <a:t>7/18/18</a:t>
+              <a:t>10/27/22</a:t>
             </a:fld>
             <a:endParaRPr lang="en-US" dirty="0"/>
           </a:p>
@@ -3861,7 +3728,7 @@
           <a:p>
             <a:r>
               <a:rPr lang="en-US"/>
-              <a:t>Copyright 2018, FLL TUTORIALS</a:t>
+              <a:t>Copyright 2021, FLLTutorials.com</a:t>
             </a:r>
             <a:endParaRPr lang="en-US" dirty="0"/>
           </a:p>
@@ -4135,9 +4002,9 @@
           <a:bodyPr/>
           <a:lstStyle/>
           <a:p>
-            <a:fld id="{D68A31B4-C704-6440-BAE0-040CF791BCD6}" type="datetime1">
+            <a:fld id="{F007C38C-7F97-3546-AF2F-51FFBC44C539}" type="datetime1">
               <a:rPr lang="en-US" smtClean="0"/>
-              <a:t>7/18/18</a:t>
+              <a:t>10/27/22</a:t>
             </a:fld>
             <a:endParaRPr lang="en-US" dirty="0"/>
           </a:p>
@@ -4168,7 +4035,7 @@
           <a:p>
             <a:r>
               <a:rPr lang="en-US"/>
-              <a:t>Copyright 2018, FLL TUTORIALS</a:t>
+              <a:t>Copyright 2021, FLLTutorials.com</a:t>
             </a:r>
             <a:endParaRPr lang="en-US" dirty="0"/>
           </a:p>
@@ -4495,9 +4362,9 @@
               <a:rPr lang="en-US"/>
               <a:t>: </a:t>
             </a:r>
-            <a:fld id="{4AFB4AE6-904B-214F-A9B0-C8A74DB14B36}" type="datetime1">
+            <a:fld id="{6A22C9EA-39EB-964C-8EE8-519F86F882DD}" type="datetime1">
               <a:rPr lang="en-US" smtClean="0"/>
-              <a:t>7/18/18</a:t>
+              <a:t>10/27/22</a:t>
             </a:fld>
             <a:endParaRPr lang="en-US" dirty="0"/>
           </a:p>
@@ -4544,9 +4411,10 @@
           </a:lstStyle>
           <a:p>
             <a:r>
-              <a:rPr lang="en-US" dirty="0"/>
-              <a:t>Copyright 2018, FLL TUTORIALS</a:t>
-            </a:r>
+              <a:rPr lang="en-US"/>
+              <a:t>Copyright 2021, FLLTutorials.com</a:t>
+            </a:r>
+            <a:endParaRPr lang="en-US" dirty="0"/>
           </a:p>
         </p:txBody>
       </p:sp>
@@ -4620,7 +4488,7 @@
     <p:sldLayoutId id="2147483682" r:id="rId10"/>
     <p:sldLayoutId id="2147483683" r:id="rId11"/>
   </p:sldLayoutIdLst>
-  <p:hf hdr="0"/>
+  <p:hf hdr="0" dt="0"/>
   <p:txStyles>
     <p:titleStyle>
       <a:lvl1pPr algn="l" defTabSz="457200" rtl="0" eaLnBrk="1" latinLnBrk="0" hangingPunct="1">
@@ -5129,7 +4997,7 @@
           <a:p>
             <a:r>
               <a:rPr lang="en-US" dirty="0"/>
-              <a:t>MOST IMPORTANT: Embrace CORE VALUES</a:t>
+              <a:t>IS OUTREACH IMPORTANT in CHALLEGE?</a:t>
             </a:r>
           </a:p>
         </p:txBody>
@@ -5146,8 +5014,8 @@
         </p:nvSpPr>
         <p:spPr>
           <a:xfrm>
-            <a:off x="448092" y="1505583"/>
-            <a:ext cx="3882368" cy="4353215"/>
+            <a:off x="366946" y="1710911"/>
+            <a:ext cx="4023560" cy="4350488"/>
           </a:xfrm>
         </p:spPr>
         <p:txBody>
@@ -5157,44 +5025,123 @@
           <a:lstStyle/>
           <a:p>
             <a:pPr>
-              <a:buFont typeface="Wingdings" panose="05000000000000000000" pitchFamily="2" charset="2"/>
+              <a:buFont typeface="Wingdings" pitchFamily="2" charset="2"/>
               <a:buChar char="§"/>
             </a:pPr>
             <a:r>
               <a:rPr lang="en-US" sz="2800" dirty="0"/>
-              <a:t>Core Values is not just something you do. </a:t>
+              <a:t>Outreach can be one way of achieving Impact. </a:t>
             </a:r>
           </a:p>
           <a:p>
             <a:pPr>
-              <a:buFont typeface="Wingdings" panose="05000000000000000000" pitchFamily="2" charset="2"/>
+              <a:buFont typeface="Wingdings" pitchFamily="2" charset="2"/>
               <a:buChar char="§"/>
             </a:pPr>
             <a:r>
               <a:rPr lang="en-US" sz="2800" dirty="0"/>
-              <a:t>It is a way, a </a:t>
-            </a:r>
-            <a:r>
-              <a:rPr lang="en-US" sz="2800" i="1" dirty="0">
-                <a:solidFill>
-                  <a:srgbClr val="FF0000"/>
-                </a:solidFill>
-              </a:rPr>
-              <a:t>METHOD</a:t>
-            </a:r>
+              <a:t>Share your knowledge </a:t>
+            </a:r>
+          </a:p>
+          <a:p>
+            <a:pPr>
+              <a:buFont typeface="Wingdings" pitchFamily="2" charset="2"/>
+              <a:buChar char="§"/>
+            </a:pPr>
             <a:r>
               <a:rPr lang="en-US" sz="2800" dirty="0"/>
-              <a:t> of doing things that builds character and guides us throughout the whole experience! </a:t>
-            </a:r>
-          </a:p>
-        </p:txBody>
-      </p:sp>
-      <p:sp>
-        <p:nvSpPr>
-          <p:cNvPr id="5" name="Date Placeholder 4">
+              <a:t>Share your passion for FIRST and STEM</a:t>
+            </a:r>
+            <a:endParaRPr lang="en-US" sz="1800" dirty="0">
+              <a:solidFill>
+                <a:schemeClr val="tx1"/>
+              </a:solidFill>
+            </a:endParaRPr>
+          </a:p>
+          <a:p>
+            <a:pPr marL="324000" lvl="1" indent="0">
+              <a:spcBef>
+                <a:spcPts val="0"/>
+              </a:spcBef>
+              <a:buClr>
+                <a:srgbClr val="FF0000"/>
+              </a:buClr>
+              <a:buSzPct val="100000"/>
+              <a:buNone/>
+            </a:pPr>
+            <a:endParaRPr lang="en-US" sz="1800" dirty="0">
+              <a:solidFill>
+                <a:schemeClr val="tx1"/>
+              </a:solidFill>
+            </a:endParaRPr>
+          </a:p>
+          <a:p>
+            <a:pPr marL="285750" indent="-285750">
+              <a:spcBef>
+                <a:spcPts val="0"/>
+              </a:spcBef>
+              <a:buClr>
+                <a:srgbClr val="FF0000"/>
+              </a:buClr>
+              <a:buSzPct val="100000"/>
+              <a:buFont typeface="Arial" charset="0"/>
+              <a:buChar char="•"/>
+            </a:pPr>
+            <a:endParaRPr lang="en-US" sz="2000" dirty="0">
+              <a:solidFill>
+                <a:schemeClr val="tx1"/>
+              </a:solidFill>
+            </a:endParaRPr>
+          </a:p>
+          <a:p>
+            <a:pPr marL="285750" indent="-285750">
+              <a:spcBef>
+                <a:spcPts val="0"/>
+              </a:spcBef>
+              <a:buClr>
+                <a:srgbClr val="FF0000"/>
+              </a:buClr>
+              <a:buSzPct val="100000"/>
+              <a:buFont typeface="Arial" charset="0"/>
+              <a:buChar char="•"/>
+            </a:pPr>
+            <a:endParaRPr lang="en-US" sz="2000" dirty="0">
+              <a:solidFill>
+                <a:schemeClr val="tx1"/>
+              </a:solidFill>
+            </a:endParaRPr>
+          </a:p>
+        </p:txBody>
+      </p:sp>
+      <p:sp>
+        <p:nvSpPr>
+          <p:cNvPr id="4" name="Slide Number Placeholder 3"/>
+          <p:cNvSpPr>
+            <a:spLocks noGrp="1"/>
+          </p:cNvSpPr>
+          <p:nvPr>
+            <p:ph type="sldNum" sz="quarter" idx="12"/>
+          </p:nvPr>
+        </p:nvSpPr>
+        <p:spPr/>
+        <p:txBody>
+          <a:bodyPr/>
+          <a:lstStyle/>
+          <a:p>
+            <a:fld id="{5295A1AA-1C1C-1D42-A68A-D4A2E4B47F7A}" type="slidenum">
+              <a:rPr lang="en-US" smtClean="0"/>
+              <a:t>10</a:t>
+            </a:fld>
+            <a:endParaRPr lang="en-US"/>
+          </a:p>
+        </p:txBody>
+      </p:sp>
+      <p:sp>
+        <p:nvSpPr>
+          <p:cNvPr id="8" name="Footer Placeholder 7">
             <a:extLst>
               <a:ext uri="{FF2B5EF4-FFF2-40B4-BE49-F238E27FC236}">
-                <a16:creationId xmlns:a16="http://schemas.microsoft.com/office/drawing/2014/main" id="{5D1E09E9-3701-C846-A73C-66EABC5BE961}"/>
+                <a16:creationId xmlns:a16="http://schemas.microsoft.com/office/drawing/2014/main" id="{22C27044-D574-3C44-8D7B-98AB5005F0EA}"/>
               </a:ext>
             </a:extLst>
           </p:cNvPr>
@@ -5202,7 +5149,7 @@
             <a:spLocks noGrp="1"/>
           </p:cNvSpPr>
           <p:nvPr>
-            <p:ph type="dt" sz="half" idx="10"/>
+            <p:ph type="ftr" sz="quarter" idx="11"/>
           </p:nvPr>
         </p:nvSpPr>
         <p:spPr/>
@@ -5211,185 +5158,26 @@
           <a:lstStyle/>
           <a:p>
             <a:r>
-              <a:rPr lang="en-US"/>
-              <a:t>Last Edit: </a:t>
-            </a:r>
-            <a:fld id="{3BBABA86-C064-2B42-8375-87652C8C23C2}" type="datetime1">
-              <a:rPr lang="en-US" smtClean="0"/>
-              <a:t>7/18/18</a:t>
-            </a:fld>
+              <a:rPr lang="en-US" dirty="0"/>
+              <a:t>Copyright 2022, </a:t>
+            </a:r>
+            <a:r>
+              <a:rPr lang="en-US" dirty="0" err="1"/>
+              <a:t>FLLTutorials.com</a:t>
+            </a:r>
             <a:endParaRPr lang="en-US" dirty="0"/>
           </a:p>
         </p:txBody>
       </p:sp>
-      <p:sp>
-        <p:nvSpPr>
-          <p:cNvPr id="7" name="Footer Placeholder 6">
+      <p:pic>
+        <p:nvPicPr>
+          <p:cNvPr id="9" name="Picture 8">
             <a:extLst>
               <a:ext uri="{FF2B5EF4-FFF2-40B4-BE49-F238E27FC236}">
-                <a16:creationId xmlns:a16="http://schemas.microsoft.com/office/drawing/2014/main" id="{6AE041C1-7DA8-D74F-BD67-E7B5ED7C1A10}"/>
+                <a16:creationId xmlns:a16="http://schemas.microsoft.com/office/drawing/2014/main" id="{875103EA-FB29-462A-8B24-90C8E52DE1D8}"/>
               </a:ext>
-            </a:extLst>
-          </p:cNvPr>
-          <p:cNvSpPr>
-            <a:spLocks noGrp="1"/>
-          </p:cNvSpPr>
-          <p:nvPr>
-            <p:ph type="ftr" sz="quarter" idx="11"/>
-          </p:nvPr>
-        </p:nvSpPr>
-        <p:spPr/>
-        <p:txBody>
-          <a:bodyPr/>
-          <a:lstStyle/>
-          <a:p>
-            <a:r>
-              <a:rPr lang="en-US"/>
-              <a:t>Copyright 2018, FLL TUTORIALS</a:t>
-            </a:r>
-            <a:endParaRPr lang="en-US" dirty="0"/>
-          </a:p>
-        </p:txBody>
-      </p:sp>
-      <p:sp>
-        <p:nvSpPr>
-          <p:cNvPr id="8" name="Slide Number Placeholder 3">
-            <a:extLst>
-              <a:ext uri="{FF2B5EF4-FFF2-40B4-BE49-F238E27FC236}">
-                <a16:creationId xmlns:a16="http://schemas.microsoft.com/office/drawing/2014/main" id="{AD5E1552-7E4A-A44A-8AD8-3284E4395012}"/>
-              </a:ext>
-            </a:extLst>
-          </p:cNvPr>
-          <p:cNvSpPr txBox="1">
-            <a:spLocks/>
-          </p:cNvSpPr>
-          <p:nvPr/>
-        </p:nvSpPr>
-        <p:spPr>
-          <a:xfrm>
-            <a:off x="7800476" y="6392242"/>
-            <a:ext cx="770468" cy="365125"/>
-          </a:xfrm>
-          <a:prstGeom prst="rect">
-            <a:avLst/>
-          </a:prstGeom>
-        </p:spPr>
-        <p:txBody>
-          <a:bodyPr/>
-          <a:lstStyle>
-            <a:defPPr>
-              <a:defRPr lang="en-US"/>
-            </a:defPPr>
-            <a:lvl1pPr marL="0" algn="l" defTabSz="457200" rtl="0" eaLnBrk="1" latinLnBrk="0" hangingPunct="1">
-              <a:defRPr sz="1800" kern="1200">
-                <a:solidFill>
-                  <a:schemeClr val="accent1">
-                    <a:lumMod val="75000"/>
-                    <a:lumOff val="25000"/>
-                  </a:schemeClr>
-                </a:solidFill>
-                <a:latin typeface="+mn-lt"/>
-                <a:ea typeface="+mn-ea"/>
-                <a:cs typeface="+mn-cs"/>
-              </a:defRPr>
-            </a:lvl1pPr>
-            <a:lvl2pPr marL="457200" algn="l" defTabSz="457200" rtl="0" eaLnBrk="1" latinLnBrk="0" hangingPunct="1">
-              <a:defRPr sz="1800" kern="1200">
-                <a:solidFill>
-                  <a:schemeClr val="tx1"/>
-                </a:solidFill>
-                <a:latin typeface="+mn-lt"/>
-                <a:ea typeface="+mn-ea"/>
-                <a:cs typeface="+mn-cs"/>
-              </a:defRPr>
-            </a:lvl2pPr>
-            <a:lvl3pPr marL="914400" algn="l" defTabSz="457200" rtl="0" eaLnBrk="1" latinLnBrk="0" hangingPunct="1">
-              <a:defRPr sz="1800" kern="1200">
-                <a:solidFill>
-                  <a:schemeClr val="tx1"/>
-                </a:solidFill>
-                <a:latin typeface="+mn-lt"/>
-                <a:ea typeface="+mn-ea"/>
-                <a:cs typeface="+mn-cs"/>
-              </a:defRPr>
-            </a:lvl3pPr>
-            <a:lvl4pPr marL="1371600" algn="l" defTabSz="457200" rtl="0" eaLnBrk="1" latinLnBrk="0" hangingPunct="1">
-              <a:defRPr sz="1800" kern="1200">
-                <a:solidFill>
-                  <a:schemeClr val="tx1"/>
-                </a:solidFill>
-                <a:latin typeface="+mn-lt"/>
-                <a:ea typeface="+mn-ea"/>
-                <a:cs typeface="+mn-cs"/>
-              </a:defRPr>
-            </a:lvl4pPr>
-            <a:lvl5pPr marL="1828800" algn="l" defTabSz="457200" rtl="0" eaLnBrk="1" latinLnBrk="0" hangingPunct="1">
-              <a:defRPr sz="1800" kern="1200">
-                <a:solidFill>
-                  <a:schemeClr val="tx1"/>
-                </a:solidFill>
-                <a:latin typeface="+mn-lt"/>
-                <a:ea typeface="+mn-ea"/>
-                <a:cs typeface="+mn-cs"/>
-              </a:defRPr>
-            </a:lvl5pPr>
-            <a:lvl6pPr marL="2286000" algn="l" defTabSz="457200" rtl="0" eaLnBrk="1" latinLnBrk="0" hangingPunct="1">
-              <a:defRPr sz="1800" kern="1200">
-                <a:solidFill>
-                  <a:schemeClr val="tx1"/>
-                </a:solidFill>
-                <a:latin typeface="+mn-lt"/>
-                <a:ea typeface="+mn-ea"/>
-                <a:cs typeface="+mn-cs"/>
-              </a:defRPr>
-            </a:lvl6pPr>
-            <a:lvl7pPr marL="2743200" algn="l" defTabSz="457200" rtl="0" eaLnBrk="1" latinLnBrk="0" hangingPunct="1">
-              <a:defRPr sz="1800" kern="1200">
-                <a:solidFill>
-                  <a:schemeClr val="tx1"/>
-                </a:solidFill>
-                <a:latin typeface="+mn-lt"/>
-                <a:ea typeface="+mn-ea"/>
-                <a:cs typeface="+mn-cs"/>
-              </a:defRPr>
-            </a:lvl7pPr>
-            <a:lvl8pPr marL="3200400" algn="l" defTabSz="457200" rtl="0" eaLnBrk="1" latinLnBrk="0" hangingPunct="1">
-              <a:defRPr sz="1800" kern="1200">
-                <a:solidFill>
-                  <a:schemeClr val="tx1"/>
-                </a:solidFill>
-                <a:latin typeface="+mn-lt"/>
-                <a:ea typeface="+mn-ea"/>
-                <a:cs typeface="+mn-cs"/>
-              </a:defRPr>
-            </a:lvl8pPr>
-            <a:lvl9pPr marL="3657600" algn="l" defTabSz="457200" rtl="0" eaLnBrk="1" latinLnBrk="0" hangingPunct="1">
-              <a:defRPr sz="1800" kern="1200">
-                <a:solidFill>
-                  <a:schemeClr val="tx1"/>
-                </a:solidFill>
-                <a:latin typeface="+mn-lt"/>
-                <a:ea typeface="+mn-ea"/>
-                <a:cs typeface="+mn-cs"/>
-              </a:defRPr>
-            </a:lvl9pPr>
-          </a:lstStyle>
-          <a:p>
-            <a:fld id="{5295A1AA-1C1C-1D42-A68A-D4A2E4B47F7A}" type="slidenum">
-              <a:rPr lang="en-US" smtClean="0"/>
-              <a:pPr/>
-              <a:t>10</a:t>
-            </a:fld>
-            <a:endParaRPr lang="en-US"/>
-          </a:p>
-        </p:txBody>
-      </p:sp>
-      <p:pic>
-        <p:nvPicPr>
-          <p:cNvPr id="6" name="Picture 5" descr="A group of people standing in a room&#10;&#10;Description generated with very high confidence">
-            <a:extLst>
-              <a:ext uri="{FF2B5EF4-FFF2-40B4-BE49-F238E27FC236}">
-                <a16:creationId xmlns:a16="http://schemas.microsoft.com/office/drawing/2014/main" id="{D6C7A24D-B992-4DFF-9B94-4955B88ECAED}"/>
+              <a:ext uri="{C183D7F6-B498-43B3-948B-1728B52AA6E4}">
+                <adec:decorative xmlns:adec="http://schemas.microsoft.com/office/drawing/2017/decorative" val="1"/>
               </a:ext>
             </a:extLst>
           </p:cNvPr>
@@ -5411,9 +5199,9 @@
           </a:stretch>
         </p:blipFill>
         <p:spPr>
-          <a:xfrm rot="10800000" flipV="1">
-            <a:off x="4635282" y="2189056"/>
-            <a:ext cx="3981690" cy="2986268"/>
+          <a:xfrm>
+            <a:off x="4390506" y="2132575"/>
+            <a:ext cx="4243167" cy="3182375"/>
           </a:xfrm>
           <a:prstGeom prst="rect">
             <a:avLst/>
@@ -5423,7 +5211,7 @@
     </p:spTree>
     <p:extLst>
       <p:ext uri="{BB962C8B-B14F-4D97-AF65-F5344CB8AC3E}">
-        <p14:creationId xmlns:p14="http://schemas.microsoft.com/office/powerpoint/2010/main" val="825474759"/>
+        <p14:creationId xmlns:p14="http://schemas.microsoft.com/office/powerpoint/2010/main" val="2435129757"/>
       </p:ext>
     </p:extLst>
   </p:cSld>
@@ -5552,39 +5340,6 @@
       </p:sp>
       <p:sp>
         <p:nvSpPr>
-          <p:cNvPr id="4" name="Date Placeholder 3">
-            <a:extLst>
-              <a:ext uri="{FF2B5EF4-FFF2-40B4-BE49-F238E27FC236}">
-                <a16:creationId xmlns:a16="http://schemas.microsoft.com/office/drawing/2014/main" id="{F65C6760-A8C8-6440-8EEA-724966A6F0BD}"/>
-              </a:ext>
-            </a:extLst>
-          </p:cNvPr>
-          <p:cNvSpPr>
-            <a:spLocks noGrp="1"/>
-          </p:cNvSpPr>
-          <p:nvPr>
-            <p:ph type="dt" sz="half" idx="10"/>
-          </p:nvPr>
-        </p:nvSpPr>
-        <p:spPr/>
-        <p:txBody>
-          <a:bodyPr/>
-          <a:lstStyle/>
-          <a:p>
-            <a:r>
-              <a:rPr lang="en-US"/>
-              <a:t>Last Edit: </a:t>
-            </a:r>
-            <a:fld id="{36683BD2-4810-EF43-B5CB-A49746490A3C}" type="datetime1">
-              <a:rPr lang="en-US" smtClean="0"/>
-              <a:t>7/18/18</a:t>
-            </a:fld>
-            <a:endParaRPr lang="en-US" dirty="0"/>
-          </a:p>
-        </p:txBody>
-      </p:sp>
-      <p:sp>
-        <p:nvSpPr>
           <p:cNvPr id="5" name="Footer Placeholder 4">
             <a:extLst>
               <a:ext uri="{FF2B5EF4-FFF2-40B4-BE49-F238E27FC236}">
@@ -5605,8 +5360,12 @@
           <a:lstStyle/>
           <a:p>
             <a:r>
-              <a:rPr lang="en-US"/>
-              <a:t>Copyright 2018, FLL TUTORIALS</a:t>
+              <a:rPr lang="en-US" dirty="0"/>
+              <a:t>Copyright 2022, </a:t>
+            </a:r>
+            <a:r>
+              <a:rPr lang="en-US" dirty="0" err="1"/>
+              <a:t>FLLTutorials.com</a:t>
             </a:r>
             <a:endParaRPr lang="en-US" dirty="0"/>
           </a:p>
@@ -5764,7 +5523,15 @@
           <a:p>
             <a:r>
               <a:rPr lang="en-US" dirty="0"/>
-              <a:t>Core values</a:t>
+              <a:t>Core values: </a:t>
+            </a:r>
+            <a:r>
+              <a:rPr lang="en-US" dirty="0" err="1"/>
+              <a:t>HoW</a:t>
+            </a:r>
+            <a:r>
+              <a:rPr lang="en-US" dirty="0"/>
+              <a:t> IT FITS TOGETHER</a:t>
             </a:r>
           </a:p>
         </p:txBody>
@@ -5788,12 +5555,12 @@
         <p:spPr>
           <a:xfrm>
             <a:off x="456714" y="4662973"/>
-            <a:ext cx="8238707" cy="1161068"/>
+            <a:ext cx="8238707" cy="1507552"/>
           </a:xfrm>
         </p:spPr>
         <p:txBody>
           <a:bodyPr>
-            <a:normAutofit/>
+            <a:normAutofit fontScale="92500" lnSpcReduction="10000"/>
           </a:bodyPr>
           <a:lstStyle/>
           <a:p>
@@ -5810,7 +5577,7 @@
                   <a:schemeClr val="tx1"/>
                 </a:solidFill>
               </a:rPr>
-              <a:t>Robot Game and Project are what teams do. </a:t>
+              <a:t>Robot Design, Innovation Project and Robot Game are what teams DO. </a:t>
             </a:r>
           </a:p>
           <a:p>
@@ -5830,7 +5597,7 @@
               <a:t>Values are </a:t>
             </a:r>
             <a:r>
-              <a:rPr lang="en-US" sz="2800" i="1" dirty="0">
+              <a:rPr lang="en-US" sz="3900" i="1" dirty="0">
                 <a:solidFill>
                   <a:srgbClr val="FF0000"/>
                 </a:solidFill>
@@ -5841,39 +5608,6 @@
               <a:rPr lang="en-US" sz="2800" dirty="0"/>
               <a:t> they do it.</a:t>
             </a:r>
-          </a:p>
-        </p:txBody>
-      </p:sp>
-      <p:sp>
-        <p:nvSpPr>
-          <p:cNvPr id="4" name="Date Placeholder 3">
-            <a:extLst>
-              <a:ext uri="{FF2B5EF4-FFF2-40B4-BE49-F238E27FC236}">
-                <a16:creationId xmlns:a16="http://schemas.microsoft.com/office/drawing/2014/main" id="{6E105336-9F1B-44F4-B7B9-67344B56D2EE}"/>
-              </a:ext>
-            </a:extLst>
-          </p:cNvPr>
-          <p:cNvSpPr>
-            <a:spLocks noGrp="1"/>
-          </p:cNvSpPr>
-          <p:nvPr>
-            <p:ph type="dt" sz="half" idx="10"/>
-          </p:nvPr>
-        </p:nvSpPr>
-        <p:spPr/>
-        <p:txBody>
-          <a:bodyPr/>
-          <a:lstStyle/>
-          <a:p>
-            <a:r>
-              <a:rPr lang="en-US"/>
-              <a:t>Last Edit: </a:t>
-            </a:r>
-            <a:fld id="{720B0A29-EE36-AA4C-B913-76D95CADEC11}" type="datetime1">
-              <a:rPr lang="en-US" smtClean="0"/>
-              <a:t>7/18/18</a:t>
-            </a:fld>
-            <a:endParaRPr lang="en-US" dirty="0"/>
           </a:p>
         </p:txBody>
       </p:sp>
@@ -5899,8 +5633,12 @@
           <a:lstStyle/>
           <a:p>
             <a:r>
-              <a:rPr lang="en-US"/>
-              <a:t>Copyright 2018, FLL TUTORIALS</a:t>
+              <a:rPr lang="en-US" dirty="0"/>
+              <a:t>Copyright 2022, </a:t>
+            </a:r>
+            <a:r>
+              <a:rPr lang="en-US" dirty="0" err="1"/>
+              <a:t>FLLTutorials.com</a:t>
             </a:r>
             <a:endParaRPr lang="en-US" dirty="0"/>
           </a:p>
@@ -5938,10 +5676,10 @@
       </p:sp>
       <p:pic>
         <p:nvPicPr>
-          <p:cNvPr id="8" name="Picture 7">
+          <p:cNvPr id="9" name="Picture 8" descr="Graphical user interface, text&#10;&#10;Description automatically generated">
             <a:extLst>
               <a:ext uri="{FF2B5EF4-FFF2-40B4-BE49-F238E27FC236}">
-                <a16:creationId xmlns:a16="http://schemas.microsoft.com/office/drawing/2014/main" id="{A42B3235-FDE0-394D-B1BB-E65F8101F6BB}"/>
+                <a16:creationId xmlns:a16="http://schemas.microsoft.com/office/drawing/2014/main" id="{642ED70B-F26B-8D43-AE25-9745216A340A}"/>
               </a:ext>
             </a:extLst>
           </p:cNvPr>
@@ -5950,16 +5688,102 @@
           </p:cNvPicPr>
           <p:nvPr/>
         </p:nvPicPr>
-        <p:blipFill>
+        <p:blipFill rotWithShape="1">
           <a:blip r:embed="rId2"/>
-          <a:stretch>
-            <a:fillRect/>
-          </a:stretch>
+          <a:srcRect t="24074" b="62592"/>
+          <a:stretch/>
         </p:blipFill>
         <p:spPr>
           <a:xfrm>
-            <a:off x="914399" y="1771630"/>
-            <a:ext cx="7184571" cy="2823474"/>
+            <a:off x="451302" y="1545921"/>
+            <a:ext cx="2783041" cy="1286384"/>
+          </a:xfrm>
+          <a:prstGeom prst="rect">
+            <a:avLst/>
+          </a:prstGeom>
+        </p:spPr>
+      </p:pic>
+      <p:pic>
+        <p:nvPicPr>
+          <p:cNvPr id="10" name="Picture 9" descr="Graphical user interface, text&#10;&#10;Description automatically generated">
+            <a:extLst>
+              <a:ext uri="{FF2B5EF4-FFF2-40B4-BE49-F238E27FC236}">
+                <a16:creationId xmlns:a16="http://schemas.microsoft.com/office/drawing/2014/main" id="{4C1940D4-034B-F54B-A004-D048B62801A2}"/>
+              </a:ext>
+            </a:extLst>
+          </p:cNvPr>
+          <p:cNvPicPr>
+            <a:picLocks noChangeAspect="1"/>
+          </p:cNvPicPr>
+          <p:nvPr/>
+        </p:nvPicPr>
+        <p:blipFill rotWithShape="1">
+          <a:blip r:embed="rId2"/>
+          <a:srcRect b="87162"/>
+          <a:stretch/>
+        </p:blipFill>
+        <p:spPr>
+          <a:xfrm>
+            <a:off x="2851882" y="2986071"/>
+            <a:ext cx="3440235" cy="1531100"/>
+          </a:xfrm>
+          <a:prstGeom prst="rect">
+            <a:avLst/>
+          </a:prstGeom>
+        </p:spPr>
+      </p:pic>
+      <p:pic>
+        <p:nvPicPr>
+          <p:cNvPr id="11" name="Picture 10" descr="Graphical user interface, text&#10;&#10;Description automatically generated">
+            <a:extLst>
+              <a:ext uri="{FF2B5EF4-FFF2-40B4-BE49-F238E27FC236}">
+                <a16:creationId xmlns:a16="http://schemas.microsoft.com/office/drawing/2014/main" id="{A4073CA8-2F77-F047-A169-47F1D4C1F9C1}"/>
+              </a:ext>
+            </a:extLst>
+          </p:cNvPr>
+          <p:cNvPicPr>
+            <a:picLocks noChangeAspect="1"/>
+          </p:cNvPicPr>
+          <p:nvPr/>
+        </p:nvPicPr>
+        <p:blipFill rotWithShape="1">
+          <a:blip r:embed="rId2"/>
+          <a:srcRect t="81542" b="2902"/>
+          <a:stretch/>
+        </p:blipFill>
+        <p:spPr>
+          <a:xfrm>
+            <a:off x="3130542" y="1529114"/>
+            <a:ext cx="2783041" cy="1500781"/>
+          </a:xfrm>
+          <a:prstGeom prst="rect">
+            <a:avLst/>
+          </a:prstGeom>
+        </p:spPr>
+      </p:pic>
+      <p:pic>
+        <p:nvPicPr>
+          <p:cNvPr id="12" name="Picture 11" descr="Graphical user interface, text&#10;&#10;Description automatically generated">
+            <a:extLst>
+              <a:ext uri="{FF2B5EF4-FFF2-40B4-BE49-F238E27FC236}">
+                <a16:creationId xmlns:a16="http://schemas.microsoft.com/office/drawing/2014/main" id="{5C30425A-9EDD-1A48-8ABF-4D1AE789D12C}"/>
+              </a:ext>
+            </a:extLst>
+          </p:cNvPr>
+          <p:cNvPicPr>
+            <a:picLocks noChangeAspect="1"/>
+          </p:cNvPicPr>
+          <p:nvPr/>
+        </p:nvPicPr>
+        <p:blipFill rotWithShape="1">
+          <a:blip r:embed="rId2"/>
+          <a:srcRect t="52838" b="33121"/>
+          <a:stretch/>
+        </p:blipFill>
+        <p:spPr>
+          <a:xfrm>
+            <a:off x="5787903" y="1545921"/>
+            <a:ext cx="2783041" cy="1354619"/>
           </a:xfrm>
           <a:prstGeom prst="rect">
             <a:avLst/>
@@ -5998,57 +5822,10 @@
       </p:grpSpPr>
       <p:sp>
         <p:nvSpPr>
-          <p:cNvPr id="2" name="Title 1"/>
-          <p:cNvSpPr>
-            <a:spLocks noGrp="1"/>
-          </p:cNvSpPr>
-          <p:nvPr>
-            <p:ph type="title"/>
-          </p:nvPr>
-        </p:nvSpPr>
-        <p:spPr/>
-        <p:txBody>
-          <a:bodyPr>
-            <a:normAutofit fontScale="90000"/>
-          </a:bodyPr>
-          <a:lstStyle/>
-          <a:p>
-            <a:r>
-              <a:rPr lang="en-US" dirty="0"/>
-              <a:t>The FIRST Core Values are YOUR Team’s GUIDE</a:t>
-            </a:r>
-          </a:p>
-        </p:txBody>
-      </p:sp>
-      <p:sp>
-        <p:nvSpPr>
-          <p:cNvPr id="4" name="Slide Number Placeholder 3"/>
-          <p:cNvSpPr>
-            <a:spLocks noGrp="1"/>
-          </p:cNvSpPr>
-          <p:nvPr>
-            <p:ph type="sldNum" sz="quarter" idx="12"/>
-          </p:nvPr>
-        </p:nvSpPr>
-        <p:spPr/>
-        <p:txBody>
-          <a:bodyPr/>
-          <a:lstStyle/>
-          <a:p>
-            <a:fld id="{5295A1AA-1C1C-1D42-A68A-D4A2E4B47F7A}" type="slidenum">
-              <a:rPr lang="en-US" smtClean="0"/>
-              <a:t>3</a:t>
-            </a:fld>
-            <a:endParaRPr lang="en-US" dirty="0"/>
-          </a:p>
-        </p:txBody>
-      </p:sp>
-      <p:sp>
-        <p:nvSpPr>
-          <p:cNvPr id="5" name="Date Placeholder 4">
+          <p:cNvPr id="2" name="Title 1">
             <a:extLst>
               <a:ext uri="{FF2B5EF4-FFF2-40B4-BE49-F238E27FC236}">
-                <a16:creationId xmlns:a16="http://schemas.microsoft.com/office/drawing/2014/main" id="{B1C8965E-1B7C-044B-B7FB-CA157D93F8B5}"/>
+                <a16:creationId xmlns:a16="http://schemas.microsoft.com/office/drawing/2014/main" id="{AE7B958D-619A-8B49-9590-948DC37419CE}"/>
               </a:ext>
             </a:extLst>
           </p:cNvPr>
@@ -6056,7 +5833,7 @@
             <a:spLocks noGrp="1"/>
           </p:cNvSpPr>
           <p:nvPr>
-            <p:ph type="dt" sz="half" idx="10"/>
+            <p:ph type="title"/>
           </p:nvPr>
         </p:nvSpPr>
         <p:spPr/>
@@ -6065,164 +5842,100 @@
           <a:lstStyle/>
           <a:p>
             <a:r>
-              <a:rPr lang="en-US"/>
-              <a:t>Last Edit: </a:t>
-            </a:r>
-            <a:fld id="{5F900BEA-7471-9842-B045-9CD74B2C3E05}" type="datetime1">
-              <a:rPr lang="en-US" smtClean="0"/>
-              <a:t>7/18/18</a:t>
-            </a:fld>
-            <a:endParaRPr lang="en-US" dirty="0"/>
-          </a:p>
-        </p:txBody>
-      </p:sp>
-      <p:sp>
-        <p:nvSpPr>
-          <p:cNvPr id="7" name="Footer Placeholder 6">
+              <a:rPr lang="en-US" dirty="0"/>
+              <a:t>FIRST CORE VALUES</a:t>
+            </a:r>
+          </a:p>
+        </p:txBody>
+      </p:sp>
+      <p:pic>
+        <p:nvPicPr>
+          <p:cNvPr id="7" name="Content Placeholder 6" descr="Text, timeline&#10;&#10;Description automatically generated with medium confidence">
             <a:extLst>
               <a:ext uri="{FF2B5EF4-FFF2-40B4-BE49-F238E27FC236}">
-                <a16:creationId xmlns:a16="http://schemas.microsoft.com/office/drawing/2014/main" id="{C62689AD-06EA-5840-887B-BD5349A5232C}"/>
-              </a:ext>
-            </a:extLst>
-          </p:cNvPr>
-          <p:cNvSpPr>
-            <a:spLocks noGrp="1"/>
-          </p:cNvSpPr>
-          <p:nvPr>
-            <p:ph type="ftr" sz="quarter" idx="11"/>
-          </p:nvPr>
-        </p:nvSpPr>
-        <p:spPr/>
-        <p:txBody>
-          <a:bodyPr/>
-          <a:lstStyle/>
-          <a:p>
-            <a:r>
-              <a:rPr lang="en-US"/>
-              <a:t>Copyright 2018, FLL TUTORIALS</a:t>
-            </a:r>
-            <a:endParaRPr lang="en-US" dirty="0"/>
-          </a:p>
-        </p:txBody>
-      </p:sp>
-      <p:pic>
-        <p:nvPicPr>
-          <p:cNvPr id="8" name="Picture 7">
-            <a:extLst>
-              <a:ext uri="{FF2B5EF4-FFF2-40B4-BE49-F238E27FC236}">
-                <a16:creationId xmlns:a16="http://schemas.microsoft.com/office/drawing/2014/main" id="{CA7D8E46-E483-F646-A9DC-5255F25860A4}"/>
+                <a16:creationId xmlns:a16="http://schemas.microsoft.com/office/drawing/2014/main" id="{E84A2CB4-6A2E-C94D-8E86-7EFC537D48EE}"/>
               </a:ext>
             </a:extLst>
           </p:cNvPr>
           <p:cNvPicPr>
-            <a:picLocks noChangeAspect="1"/>
+            <a:picLocks noGrp="1" noChangeAspect="1"/>
           </p:cNvPicPr>
-          <p:nvPr/>
+          <p:nvPr>
+            <p:ph idx="1"/>
+          </p:nvPr>
         </p:nvPicPr>
         <p:blipFill>
-          <a:blip r:embed="rId2" cstate="print">
-            <a:extLst>
-              <a:ext uri="{28A0092B-C50C-407E-A947-70E740481C1C}">
-                <a14:useLocalDpi xmlns:a14="http://schemas.microsoft.com/office/drawing/2010/main"/>
-              </a:ext>
-            </a:extLst>
-          </a:blip>
+          <a:blip r:embed="rId2"/>
           <a:stretch>
             <a:fillRect/>
           </a:stretch>
         </p:blipFill>
         <p:spPr>
           <a:xfrm>
-            <a:off x="2788921" y="1588769"/>
-            <a:ext cx="5900262" cy="4755611"/>
-          </a:xfrm>
-          <a:prstGeom prst="rect">
-            <a:avLst/>
-          </a:prstGeom>
+            <a:off x="264970" y="1767681"/>
+            <a:ext cx="8654496" cy="3988594"/>
+          </a:xfrm>
         </p:spPr>
       </p:pic>
       <p:sp>
         <p:nvSpPr>
-          <p:cNvPr id="11" name="TextBox 10">
+          <p:cNvPr id="4" name="Footer Placeholder 3">
             <a:extLst>
               <a:ext uri="{FF2B5EF4-FFF2-40B4-BE49-F238E27FC236}">
-                <a16:creationId xmlns:a16="http://schemas.microsoft.com/office/drawing/2014/main" id="{086CFD83-315D-E042-BB03-8B66AFB8B5AA}"/>
+                <a16:creationId xmlns:a16="http://schemas.microsoft.com/office/drawing/2014/main" id="{E3EBD0AE-49AF-314B-8F7E-A267EFD500B1}"/>
               </a:ext>
             </a:extLst>
           </p:cNvPr>
-          <p:cNvSpPr txBox="1"/>
-          <p:nvPr/>
-        </p:nvSpPr>
-        <p:spPr>
-          <a:xfrm>
-            <a:off x="404630" y="1711265"/>
-            <a:ext cx="2243679" cy="3970318"/>
-          </a:xfrm>
-          <a:prstGeom prst="rect">
-            <a:avLst/>
-          </a:prstGeom>
-          <a:noFill/>
-        </p:spPr>
-        <p:txBody>
-          <a:bodyPr wrap="square" rtlCol="0">
-            <a:spAutoFit/>
-          </a:bodyPr>
+          <p:cNvSpPr>
+            <a:spLocks noGrp="1"/>
+          </p:cNvSpPr>
+          <p:nvPr>
+            <p:ph type="ftr" sz="quarter" idx="11"/>
+          </p:nvPr>
+        </p:nvSpPr>
+        <p:spPr/>
+        <p:txBody>
+          <a:bodyPr/>
           <a:lstStyle/>
           <a:p>
-            <a:pPr marL="285750" indent="-285750">
-              <a:buFont typeface="Wingdings" pitchFamily="2" charset="2"/>
-              <a:buChar char="§"/>
-            </a:pPr>
             <a:r>
               <a:rPr lang="en-US" dirty="0"/>
-              <a:t>The Core Values were updated in 2018</a:t>
-            </a:r>
-          </a:p>
-          <a:p>
-            <a:pPr marL="285750" indent="-285750">
-              <a:buFont typeface="Wingdings" pitchFamily="2" charset="2"/>
-              <a:buChar char="§"/>
-            </a:pPr>
+              <a:t>Copyright 2022, </a:t>
+            </a:r>
+            <a:r>
+              <a:rPr lang="en-US" dirty="0" err="1"/>
+              <a:t>FLLTutorials.com</a:t>
+            </a:r>
             <a:endParaRPr lang="en-US" dirty="0"/>
           </a:p>
-          <a:p>
-            <a:pPr marL="285750" indent="-285750">
-              <a:buFont typeface="Wingdings" pitchFamily="2" charset="2"/>
-              <a:buChar char="§"/>
-            </a:pPr>
-            <a:r>
-              <a:rPr lang="en-US" dirty="0"/>
-              <a:t>These Core Values are consistent across all four FIRST programs</a:t>
-            </a:r>
-          </a:p>
-          <a:p>
-            <a:pPr marL="285750" indent="-285750">
-              <a:buFont typeface="Wingdings" pitchFamily="2" charset="2"/>
-              <a:buChar char="§"/>
-            </a:pPr>
-            <a:endParaRPr lang="en-US" dirty="0"/>
-          </a:p>
-          <a:p>
-            <a:pPr marL="285750" indent="-285750">
-              <a:buFont typeface="Wingdings" pitchFamily="2" charset="2"/>
-              <a:buChar char="§"/>
-            </a:pPr>
-            <a:r>
-              <a:rPr lang="en-US" dirty="0"/>
-              <a:t>This graphic is available for teams to use: </a:t>
-            </a:r>
-            <a:r>
-              <a:rPr lang="en-US" sz="900" dirty="0"/>
-              <a:t>https://</a:t>
-            </a:r>
-            <a:r>
-              <a:rPr lang="en-US" sz="900" dirty="0" err="1"/>
-              <a:t>www.facebook.com</a:t>
-            </a:r>
-            <a:r>
-              <a:rPr lang="en-US" sz="900" dirty="0"/>
-              <a:t>/media/set/?set=a.589364151426694.1073741832.588716398158136&amp;type=1&amp;l=1bd0c4767f</a:t>
-            </a:r>
+        </p:txBody>
+      </p:sp>
+      <p:sp>
+        <p:nvSpPr>
+          <p:cNvPr id="5" name="Slide Number Placeholder 4">
+            <a:extLst>
+              <a:ext uri="{FF2B5EF4-FFF2-40B4-BE49-F238E27FC236}">
+                <a16:creationId xmlns:a16="http://schemas.microsoft.com/office/drawing/2014/main" id="{9F5F795A-DCA1-A74A-BE4E-AD6DBB6E863B}"/>
+              </a:ext>
+            </a:extLst>
+          </p:cNvPr>
+          <p:cNvSpPr>
+            <a:spLocks noGrp="1"/>
+          </p:cNvSpPr>
+          <p:nvPr>
+            <p:ph type="sldNum" sz="quarter" idx="12"/>
+          </p:nvPr>
+        </p:nvSpPr>
+        <p:spPr/>
+        <p:txBody>
+          <a:bodyPr/>
+          <a:lstStyle/>
+          <a:p>
+            <a:fld id="{D57F1E4F-1CFF-5643-939E-217C01CDF565}" type="slidenum">
+              <a:rPr lang="en-US" smtClean="0"/>
+              <a:pPr/>
+              <a:t>3</a:t>
+            </a:fld>
             <a:endParaRPr lang="en-US" dirty="0"/>
           </a:p>
         </p:txBody>
@@ -6230,7 +5943,7 @@
     </p:spTree>
     <p:extLst>
       <p:ext uri="{BB962C8B-B14F-4D97-AF65-F5344CB8AC3E}">
-        <p14:creationId xmlns:p14="http://schemas.microsoft.com/office/powerpoint/2010/main" val="1407614035"/>
+        <p14:creationId xmlns:p14="http://schemas.microsoft.com/office/powerpoint/2010/main" val="2284702867"/>
       </p:ext>
     </p:extLst>
   </p:cSld>
@@ -6259,10 +5972,55 @@
       </p:grpSpPr>
       <p:sp>
         <p:nvSpPr>
-          <p:cNvPr id="2" name="Title 1">
+          <p:cNvPr id="2" name="Title 1"/>
+          <p:cNvSpPr>
+            <a:spLocks noGrp="1"/>
+          </p:cNvSpPr>
+          <p:nvPr>
+            <p:ph type="title"/>
+          </p:nvPr>
+        </p:nvSpPr>
+        <p:spPr/>
+        <p:txBody>
+          <a:bodyPr/>
+          <a:lstStyle/>
+          <a:p>
+            <a:r>
+              <a:rPr lang="en-US" dirty="0"/>
+              <a:t>LEARN THE TERMS USED in the CORE VALUES</a:t>
+            </a:r>
+          </a:p>
+        </p:txBody>
+      </p:sp>
+      <p:sp>
+        <p:nvSpPr>
+          <p:cNvPr id="4" name="Slide Number Placeholder 3"/>
+          <p:cNvSpPr>
+            <a:spLocks noGrp="1"/>
+          </p:cNvSpPr>
+          <p:nvPr>
+            <p:ph type="sldNum" sz="quarter" idx="12"/>
+          </p:nvPr>
+        </p:nvSpPr>
+        <p:spPr/>
+        <p:txBody>
+          <a:bodyPr/>
+          <a:lstStyle/>
+          <a:p>
+            <a:fld id="{5295A1AA-1C1C-1D42-A68A-D4A2E4B47F7A}" type="slidenum">
+              <a:rPr lang="en-US" smtClean="0"/>
+              <a:t>4</a:t>
+            </a:fld>
+            <a:endParaRPr lang="en-US" dirty="0"/>
+          </a:p>
+        </p:txBody>
+      </p:sp>
+      <p:sp>
+        <p:nvSpPr>
+          <p:cNvPr id="8" name="Footer Placeholder 7">
             <a:extLst>
               <a:ext uri="{FF2B5EF4-FFF2-40B4-BE49-F238E27FC236}">
-                <a16:creationId xmlns:a16="http://schemas.microsoft.com/office/drawing/2014/main" id="{1AA6B25F-F4CE-43C4-AD7C-267766BB5C92}"/>
+                <a16:creationId xmlns:a16="http://schemas.microsoft.com/office/drawing/2014/main" id="{E386F41D-22DE-A444-A60F-1E440A0D5BBE}"/>
               </a:ext>
             </a:extLst>
           </p:cNvPr>
@@ -6270,7 +6028,7 @@
             <a:spLocks noGrp="1"/>
           </p:cNvSpPr>
           <p:nvPr>
-            <p:ph type="title"/>
+            <p:ph type="ftr" sz="quarter" idx="11"/>
           </p:nvPr>
         </p:nvSpPr>
         <p:spPr/>
@@ -6280,187 +6038,330 @@
           <a:p>
             <a:r>
               <a:rPr lang="en-US" dirty="0"/>
-              <a:t>Gracious professionalism</a:t>
-            </a:r>
-          </a:p>
-        </p:txBody>
-      </p:sp>
-      <p:sp>
-        <p:nvSpPr>
-          <p:cNvPr id="3" name="Content Placeholder 2">
+              <a:t>Copyright 2022, </a:t>
+            </a:r>
+            <a:r>
+              <a:rPr lang="en-US" dirty="0" err="1"/>
+              <a:t>FLLTutorials.com</a:t>
+            </a:r>
+            <a:endParaRPr lang="en-US" dirty="0"/>
+          </a:p>
+        </p:txBody>
+      </p:sp>
+      <p:sp>
+        <p:nvSpPr>
+          <p:cNvPr id="10" name="TextBox 9">
             <a:extLst>
               <a:ext uri="{FF2B5EF4-FFF2-40B4-BE49-F238E27FC236}">
-                <a16:creationId xmlns:a16="http://schemas.microsoft.com/office/drawing/2014/main" id="{F81F755C-329A-476D-8676-F41680F703D5}"/>
+                <a16:creationId xmlns:a16="http://schemas.microsoft.com/office/drawing/2014/main" id="{1CCE420A-D2C1-4439-AB9E-71DA8EB477FF}"/>
               </a:ext>
             </a:extLst>
           </p:cNvPr>
-          <p:cNvSpPr>
-            <a:spLocks noGrp="1"/>
-          </p:cNvSpPr>
-          <p:nvPr>
-            <p:ph idx="1"/>
-          </p:nvPr>
-        </p:nvSpPr>
-        <p:spPr>
-          <a:xfrm>
-            <a:off x="3697022" y="2578497"/>
-            <a:ext cx="4934307" cy="2510867"/>
-          </a:xfrm>
-        </p:spPr>
-        <p:txBody>
-          <a:bodyPr/>
-          <a:lstStyle/>
-          <a:p>
-            <a:pPr marL="0" indent="0" algn="ctr">
-              <a:buNone/>
-            </a:pPr>
-            <a:r>
-              <a:rPr lang="en-US" sz="3200" dirty="0"/>
-              <a:t>“Learn and compete like crazy, but treat one another with respect and kindness” </a:t>
-            </a:r>
-          </a:p>
-          <a:p>
-            <a:pPr marL="0" indent="0" algn="ctr">
-              <a:buNone/>
-            </a:pPr>
-            <a:r>
-              <a:rPr lang="en-US" sz="1400" dirty="0"/>
-              <a:t>Dr. Woodie Flowers,  FIRST Distinguished Advisor</a:t>
-            </a:r>
-          </a:p>
-        </p:txBody>
-      </p:sp>
-      <p:sp>
-        <p:nvSpPr>
-          <p:cNvPr id="4" name="Date Placeholder 3">
-            <a:extLst>
-              <a:ext uri="{FF2B5EF4-FFF2-40B4-BE49-F238E27FC236}">
-                <a16:creationId xmlns:a16="http://schemas.microsoft.com/office/drawing/2014/main" id="{D7D9F676-2B65-4D36-BC4A-61E0D0976AAB}"/>
-              </a:ext>
-            </a:extLst>
-          </p:cNvPr>
-          <p:cNvSpPr>
-            <a:spLocks noGrp="1"/>
-          </p:cNvSpPr>
-          <p:nvPr>
-            <p:ph type="dt" sz="half" idx="10"/>
-          </p:nvPr>
-        </p:nvSpPr>
-        <p:spPr/>
-        <p:txBody>
-          <a:bodyPr/>
-          <a:lstStyle/>
-          <a:p>
-            <a:r>
-              <a:rPr lang="en-US"/>
-              <a:t>Last Edit: </a:t>
-            </a:r>
-            <a:fld id="{720B0A29-EE36-AA4C-B913-76D95CADEC11}" type="datetime1">
-              <a:rPr lang="en-US" smtClean="0"/>
-              <a:t>7/18/18</a:t>
-            </a:fld>
-            <a:endParaRPr lang="en-US" dirty="0"/>
-          </a:p>
-        </p:txBody>
-      </p:sp>
-      <p:sp>
-        <p:nvSpPr>
-          <p:cNvPr id="5" name="Footer Placeholder 4">
-            <a:extLst>
-              <a:ext uri="{FF2B5EF4-FFF2-40B4-BE49-F238E27FC236}">
-                <a16:creationId xmlns:a16="http://schemas.microsoft.com/office/drawing/2014/main" id="{313607F9-D1E0-4730-9749-28A2D372900F}"/>
-              </a:ext>
-            </a:extLst>
-          </p:cNvPr>
-          <p:cNvSpPr>
-            <a:spLocks noGrp="1"/>
-          </p:cNvSpPr>
-          <p:nvPr>
-            <p:ph type="ftr" sz="quarter" idx="11"/>
-          </p:nvPr>
-        </p:nvSpPr>
-        <p:spPr/>
-        <p:txBody>
-          <a:bodyPr/>
-          <a:lstStyle/>
-          <a:p>
-            <a:r>
-              <a:rPr lang="en-US"/>
-              <a:t>Copyright 2018, FLL TUTORIALS</a:t>
-            </a:r>
-            <a:endParaRPr lang="en-US" dirty="0"/>
-          </a:p>
-        </p:txBody>
-      </p:sp>
-      <p:sp>
-        <p:nvSpPr>
-          <p:cNvPr id="6" name="Slide Number Placeholder 5">
-            <a:extLst>
-              <a:ext uri="{FF2B5EF4-FFF2-40B4-BE49-F238E27FC236}">
-                <a16:creationId xmlns:a16="http://schemas.microsoft.com/office/drawing/2014/main" id="{B8BACDBE-BFB2-4013-8995-C3C064FAB940}"/>
-              </a:ext>
-            </a:extLst>
-          </p:cNvPr>
-          <p:cNvSpPr>
-            <a:spLocks noGrp="1"/>
-          </p:cNvSpPr>
-          <p:nvPr>
-            <p:ph type="sldNum" sz="quarter" idx="12"/>
-          </p:nvPr>
-        </p:nvSpPr>
-        <p:spPr/>
-        <p:txBody>
-          <a:bodyPr/>
-          <a:lstStyle/>
-          <a:p>
-            <a:fld id="{D57F1E4F-1CFF-5643-939E-217C01CDF565}" type="slidenum">
-              <a:rPr lang="en-US" smtClean="0"/>
-              <a:pPr/>
-              <a:t>4</a:t>
-            </a:fld>
-            <a:endParaRPr lang="en-US" dirty="0"/>
-          </a:p>
-        </p:txBody>
-      </p:sp>
-      <p:pic>
-        <p:nvPicPr>
-          <p:cNvPr id="8" name="Picture 7">
-            <a:extLst>
-              <a:ext uri="{FF2B5EF4-FFF2-40B4-BE49-F238E27FC236}">
-                <a16:creationId xmlns:a16="http://schemas.microsoft.com/office/drawing/2014/main" id="{B6EB38CE-58B1-1B42-91E0-BF9D0C7211A4}"/>
-              </a:ext>
-            </a:extLst>
-          </p:cNvPr>
-          <p:cNvPicPr>
-            <a:picLocks noChangeAspect="1"/>
-          </p:cNvPicPr>
+          <p:cNvSpPr txBox="1"/>
           <p:nvPr/>
-        </p:nvPicPr>
-        <p:blipFill rotWithShape="1">
-          <a:blip r:embed="rId2" cstate="print">
-            <a:extLst>
-              <a:ext uri="{28A0092B-C50C-407E-A947-70E740481C1C}">
-                <a14:useLocalDpi xmlns:a14="http://schemas.microsoft.com/office/drawing/2010/main"/>
-              </a:ext>
-            </a:extLst>
-          </a:blip>
-          <a:srcRect/>
-          <a:stretch/>
-        </p:blipFill>
-        <p:spPr>
-          <a:xfrm>
-            <a:off x="482962" y="2156024"/>
-            <a:ext cx="3114253" cy="3204048"/>
+        </p:nvSpPr>
+        <p:spPr>
+          <a:xfrm>
+            <a:off x="364040" y="1708635"/>
+            <a:ext cx="8322757" cy="4154984"/>
           </a:xfrm>
           <a:prstGeom prst="rect">
             <a:avLst/>
           </a:prstGeom>
-        </p:spPr>
-      </p:pic>
+          <a:noFill/>
+        </p:spPr>
+        <p:txBody>
+          <a:bodyPr wrap="square">
+            <a:spAutoFit/>
+          </a:bodyPr>
+          <a:lstStyle/>
+          <a:p>
+            <a:pPr algn="l"/>
+            <a:r>
+              <a:rPr lang="en-US" sz="2400" b="0" i="0" dirty="0">
+                <a:solidFill>
+                  <a:srgbClr val="333333"/>
+                </a:solidFill>
+                <a:effectLst/>
+                <a:latin typeface="Roboto" panose="02000000000000000000" pitchFamily="2" charset="0"/>
+              </a:rPr>
+              <a:t>We express the </a:t>
+            </a:r>
+            <a:r>
+              <a:rPr lang="en-US" sz="2400" b="0" i="1" dirty="0">
+                <a:solidFill>
+                  <a:srgbClr val="333333"/>
+                </a:solidFill>
+                <a:effectLst/>
+                <a:latin typeface="Roboto" panose="02000000000000000000" pitchFamily="2" charset="0"/>
+              </a:rPr>
+              <a:t>FIRST </a:t>
+            </a:r>
+            <a:r>
+              <a:rPr lang="en-US" sz="2400" b="0" i="0" dirty="0">
+                <a:solidFill>
+                  <a:srgbClr val="333333"/>
+                </a:solidFill>
+                <a:effectLst/>
+                <a:latin typeface="Roboto" panose="02000000000000000000" pitchFamily="2" charset="0"/>
+              </a:rPr>
+              <a:t>philosophies of </a:t>
+            </a:r>
+            <a:r>
+              <a:rPr lang="en-US" sz="2400" b="0" i="1" dirty="0">
+                <a:solidFill>
+                  <a:srgbClr val="333333"/>
+                </a:solidFill>
+                <a:effectLst/>
+                <a:latin typeface="Roboto" panose="02000000000000000000" pitchFamily="2" charset="0"/>
+              </a:rPr>
+              <a:t>Gracious Professionalism</a:t>
+            </a:r>
+            <a:r>
+              <a:rPr lang="en-US" sz="2400" b="0" i="0" dirty="0">
+                <a:solidFill>
+                  <a:srgbClr val="333333"/>
+                </a:solidFill>
+                <a:effectLst/>
+                <a:latin typeface="Roboto" panose="02000000000000000000" pitchFamily="2" charset="0"/>
+              </a:rPr>
+              <a:t> and </a:t>
+            </a:r>
+            <a:r>
+              <a:rPr lang="en-US" sz="2400" b="0" i="1" dirty="0" err="1">
+                <a:solidFill>
+                  <a:srgbClr val="333333"/>
+                </a:solidFill>
+                <a:effectLst/>
+                <a:latin typeface="Roboto" panose="02000000000000000000" pitchFamily="2" charset="0"/>
+              </a:rPr>
+              <a:t>Coopertition</a:t>
+            </a:r>
+            <a:r>
+              <a:rPr lang="en-US" sz="2400" b="0" i="0" dirty="0">
+                <a:solidFill>
+                  <a:srgbClr val="333333"/>
+                </a:solidFill>
+                <a:effectLst/>
+                <a:latin typeface="Roboto" panose="02000000000000000000" pitchFamily="2" charset="0"/>
+              </a:rPr>
+              <a:t> through our Core Values:</a:t>
+            </a:r>
+          </a:p>
+          <a:p>
+            <a:pPr algn="l"/>
+            <a:endParaRPr lang="en-US" sz="2400" b="0" i="0" dirty="0">
+              <a:solidFill>
+                <a:srgbClr val="333333"/>
+              </a:solidFill>
+              <a:effectLst/>
+              <a:latin typeface="Roboto" panose="02000000000000000000" pitchFamily="2" charset="0"/>
+            </a:endParaRPr>
+          </a:p>
+          <a:p>
+            <a:pPr algn="l">
+              <a:buFont typeface="Arial" panose="020B0604020202020204" pitchFamily="34" charset="0"/>
+              <a:buChar char="•"/>
+            </a:pPr>
+            <a:r>
+              <a:rPr lang="en-US" sz="2400" b="1" i="0" dirty="0">
+                <a:solidFill>
+                  <a:srgbClr val="333333"/>
+                </a:solidFill>
+                <a:effectLst/>
+                <a:latin typeface="Roboto" panose="02000000000000000000" pitchFamily="2" charset="0"/>
+              </a:rPr>
+              <a:t>Discovery:</a:t>
+            </a:r>
+            <a:r>
+              <a:rPr lang="en-US" sz="2400" b="0" i="1" dirty="0">
+                <a:solidFill>
+                  <a:srgbClr val="333333"/>
+                </a:solidFill>
+                <a:effectLst/>
+                <a:latin typeface="Roboto" panose="02000000000000000000" pitchFamily="2" charset="0"/>
+              </a:rPr>
+              <a:t> We explore new skills and ideas.</a:t>
+            </a:r>
+            <a:endParaRPr lang="en-US" sz="2400" b="0" i="0" dirty="0">
+              <a:solidFill>
+                <a:srgbClr val="333333"/>
+              </a:solidFill>
+              <a:effectLst/>
+              <a:latin typeface="Roboto" panose="02000000000000000000" pitchFamily="2" charset="0"/>
+            </a:endParaRPr>
+          </a:p>
+          <a:p>
+            <a:pPr algn="l">
+              <a:buFont typeface="Arial" panose="020B0604020202020204" pitchFamily="34" charset="0"/>
+              <a:buChar char="•"/>
+            </a:pPr>
+            <a:r>
+              <a:rPr lang="en-US" sz="2400" b="1" i="0" dirty="0">
+                <a:solidFill>
+                  <a:srgbClr val="333333"/>
+                </a:solidFill>
+                <a:effectLst/>
+                <a:latin typeface="Roboto" panose="02000000000000000000" pitchFamily="2" charset="0"/>
+              </a:rPr>
+              <a:t>Innovation: </a:t>
+            </a:r>
+            <a:r>
+              <a:rPr lang="en-US" sz="2400" b="0" i="1" dirty="0">
+                <a:solidFill>
+                  <a:srgbClr val="333333"/>
+                </a:solidFill>
+                <a:effectLst/>
+                <a:latin typeface="Roboto" panose="02000000000000000000" pitchFamily="2" charset="0"/>
+              </a:rPr>
+              <a:t>We use creativity and persistence to solve problems.</a:t>
+            </a:r>
+            <a:endParaRPr lang="en-US" sz="2400" b="0" i="0" dirty="0">
+              <a:solidFill>
+                <a:srgbClr val="333333"/>
+              </a:solidFill>
+              <a:effectLst/>
+              <a:latin typeface="Roboto" panose="02000000000000000000" pitchFamily="2" charset="0"/>
+            </a:endParaRPr>
+          </a:p>
+          <a:p>
+            <a:pPr algn="l">
+              <a:buFont typeface="Arial" panose="020B0604020202020204" pitchFamily="34" charset="0"/>
+              <a:buChar char="•"/>
+            </a:pPr>
+            <a:r>
+              <a:rPr lang="en-US" sz="2400" b="1" i="0" dirty="0">
+                <a:solidFill>
+                  <a:srgbClr val="333333"/>
+                </a:solidFill>
+                <a:effectLst/>
+                <a:latin typeface="Roboto" panose="02000000000000000000" pitchFamily="2" charset="0"/>
+              </a:rPr>
+              <a:t>Impact:</a:t>
+            </a:r>
+            <a:r>
+              <a:rPr lang="en-US" sz="2400" b="0" i="1" dirty="0">
+                <a:solidFill>
+                  <a:srgbClr val="333333"/>
+                </a:solidFill>
+                <a:effectLst/>
+                <a:latin typeface="Roboto" panose="02000000000000000000" pitchFamily="2" charset="0"/>
+              </a:rPr>
+              <a:t>  We apply what we learn to improve our world.</a:t>
+            </a:r>
+            <a:endParaRPr lang="en-US" sz="2400" b="0" i="0" dirty="0">
+              <a:solidFill>
+                <a:srgbClr val="333333"/>
+              </a:solidFill>
+              <a:effectLst/>
+              <a:latin typeface="Roboto" panose="02000000000000000000" pitchFamily="2" charset="0"/>
+            </a:endParaRPr>
+          </a:p>
+          <a:p>
+            <a:pPr algn="l">
+              <a:buFont typeface="Arial" panose="020B0604020202020204" pitchFamily="34" charset="0"/>
+              <a:buChar char="•"/>
+            </a:pPr>
+            <a:r>
+              <a:rPr lang="en-US" sz="2400" b="1" i="0" dirty="0">
+                <a:solidFill>
+                  <a:srgbClr val="333333"/>
+                </a:solidFill>
+                <a:effectLst/>
+                <a:latin typeface="Roboto" panose="02000000000000000000" pitchFamily="2" charset="0"/>
+              </a:rPr>
+              <a:t>Inclusion: </a:t>
+            </a:r>
+            <a:r>
+              <a:rPr lang="en-US" sz="2400" b="0" i="1" dirty="0">
+                <a:solidFill>
+                  <a:srgbClr val="333333"/>
+                </a:solidFill>
+                <a:effectLst/>
+                <a:latin typeface="Roboto" panose="02000000000000000000" pitchFamily="2" charset="0"/>
+              </a:rPr>
+              <a:t>We respect each other and embrace our differences.</a:t>
+            </a:r>
+            <a:endParaRPr lang="en-US" sz="2400" b="0" i="0" dirty="0">
+              <a:solidFill>
+                <a:srgbClr val="333333"/>
+              </a:solidFill>
+              <a:effectLst/>
+              <a:latin typeface="Roboto" panose="02000000000000000000" pitchFamily="2" charset="0"/>
+            </a:endParaRPr>
+          </a:p>
+          <a:p>
+            <a:pPr algn="l">
+              <a:buFont typeface="Arial" panose="020B0604020202020204" pitchFamily="34" charset="0"/>
+              <a:buChar char="•"/>
+            </a:pPr>
+            <a:r>
+              <a:rPr lang="en-US" sz="2400" b="1" i="0" dirty="0">
+                <a:solidFill>
+                  <a:srgbClr val="333333"/>
+                </a:solidFill>
+                <a:effectLst/>
+                <a:latin typeface="Roboto" panose="02000000000000000000" pitchFamily="2" charset="0"/>
+              </a:rPr>
+              <a:t>Teamwork: </a:t>
+            </a:r>
+            <a:r>
+              <a:rPr lang="en-US" sz="2400" b="0" i="1" dirty="0">
+                <a:solidFill>
+                  <a:srgbClr val="333333"/>
+                </a:solidFill>
+                <a:effectLst/>
+                <a:latin typeface="Roboto" panose="02000000000000000000" pitchFamily="2" charset="0"/>
+              </a:rPr>
+              <a:t>We are stronger when we work together.</a:t>
+            </a:r>
+            <a:endParaRPr lang="en-US" sz="2400" b="0" i="0" dirty="0">
+              <a:solidFill>
+                <a:srgbClr val="333333"/>
+              </a:solidFill>
+              <a:effectLst/>
+              <a:latin typeface="Roboto" panose="02000000000000000000" pitchFamily="2" charset="0"/>
+            </a:endParaRPr>
+          </a:p>
+          <a:p>
+            <a:pPr algn="l">
+              <a:buFont typeface="Arial" panose="020B0604020202020204" pitchFamily="34" charset="0"/>
+              <a:buChar char="•"/>
+            </a:pPr>
+            <a:r>
+              <a:rPr lang="en-US" sz="2400" b="1" i="0" dirty="0">
+                <a:solidFill>
+                  <a:srgbClr val="333333"/>
+                </a:solidFill>
+                <a:effectLst/>
+                <a:latin typeface="Roboto" panose="02000000000000000000" pitchFamily="2" charset="0"/>
+              </a:rPr>
+              <a:t>Fun: </a:t>
+            </a:r>
+            <a:r>
+              <a:rPr lang="en-US" sz="2400" b="0" i="1" dirty="0">
+                <a:solidFill>
+                  <a:srgbClr val="333333"/>
+                </a:solidFill>
+                <a:effectLst/>
+                <a:latin typeface="Roboto" panose="02000000000000000000" pitchFamily="2" charset="0"/>
+              </a:rPr>
+              <a:t>We enjoy and celebrate what we do!</a:t>
+            </a:r>
+            <a:endParaRPr lang="en-US" sz="2400" b="0" i="0" dirty="0">
+              <a:solidFill>
+                <a:srgbClr val="333333"/>
+              </a:solidFill>
+              <a:effectLst/>
+              <a:latin typeface="Roboto" panose="02000000000000000000" pitchFamily="2" charset="0"/>
+            </a:endParaRPr>
+          </a:p>
+        </p:txBody>
+      </p:sp>
     </p:spTree>
     <p:extLst>
       <p:ext uri="{BB962C8B-B14F-4D97-AF65-F5344CB8AC3E}">
-        <p14:creationId xmlns:p14="http://schemas.microsoft.com/office/powerpoint/2010/main" val="985203053"/>
+        <p14:creationId xmlns:p14="http://schemas.microsoft.com/office/powerpoint/2010/main" val="3060522664"/>
       </p:ext>
     </p:extLst>
   </p:cSld>
@@ -6492,7 +6393,7 @@
           <p:cNvPr id="2" name="Title 1">
             <a:extLst>
               <a:ext uri="{FF2B5EF4-FFF2-40B4-BE49-F238E27FC236}">
-                <a16:creationId xmlns:a16="http://schemas.microsoft.com/office/drawing/2014/main" id="{0A683086-CF03-407E-B421-7459EA7208A3}"/>
+                <a16:creationId xmlns:a16="http://schemas.microsoft.com/office/drawing/2014/main" id="{1AA6B25F-F4CE-43C4-AD7C-267766BB5C92}"/>
               </a:ext>
             </a:extLst>
           </p:cNvPr>
@@ -6510,7 +6411,7 @@
           <a:p>
             <a:r>
               <a:rPr lang="en-US" dirty="0"/>
-              <a:t>Coopertition</a:t>
+              <a:t>Gracious professionalism</a:t>
             </a:r>
           </a:p>
         </p:txBody>
@@ -6520,7 +6421,7 @@
           <p:cNvPr id="3" name="Content Placeholder 2">
             <a:extLst>
               <a:ext uri="{FF2B5EF4-FFF2-40B4-BE49-F238E27FC236}">
-                <a16:creationId xmlns:a16="http://schemas.microsoft.com/office/drawing/2014/main" id="{841DF190-32DA-4AE1-9A0E-874809A4FAA1}"/>
+                <a16:creationId xmlns:a16="http://schemas.microsoft.com/office/drawing/2014/main" id="{F81F755C-329A-476D-8676-F41680F703D5}"/>
               </a:ext>
             </a:extLst>
           </p:cNvPr>
@@ -6533,34 +6434,20 @@
         </p:nvSpPr>
         <p:spPr>
           <a:xfrm>
-            <a:off x="4019909" y="2396104"/>
-            <a:ext cx="4623756" cy="2626392"/>
-          </a:xfrm>
-        </p:spPr>
-        <p:txBody>
-          <a:bodyPr>
-            <a:normAutofit/>
-          </a:bodyPr>
+            <a:off x="755099" y="2285995"/>
+            <a:ext cx="7633802" cy="3884530"/>
+          </a:xfrm>
+        </p:spPr>
+        <p:txBody>
+          <a:bodyPr/>
           <a:lstStyle/>
           <a:p>
             <a:pPr marL="0" indent="0" algn="ctr">
               <a:buNone/>
             </a:pPr>
             <a:r>
-              <a:rPr lang="en-US" dirty="0">
-                <a:solidFill>
-                  <a:schemeClr val="tx1"/>
-                </a:solidFill>
-              </a:rPr>
-              <a:t> </a:t>
-            </a:r>
-            <a:r>
-              <a:rPr lang="en-US" sz="3200" dirty="0">
-                <a:solidFill>
-                  <a:schemeClr val="tx1"/>
-                </a:solidFill>
-              </a:rPr>
-              <a:t> “ Teams can and should help and cooperate with each other even as they compete”</a:t>
+              <a:rPr lang="en-US" sz="3200" dirty="0"/>
+              <a:t>“Learn and compete like crazy, but treat one another with respect and kindness” </a:t>
             </a:r>
           </a:p>
           <a:p>
@@ -6568,22 +6455,18 @@
               <a:buNone/>
             </a:pPr>
             <a:r>
-              <a:rPr lang="en-US" sz="1400" dirty="0">
-                <a:solidFill>
-                  <a:schemeClr val="tx1"/>
-                </a:solidFill>
-              </a:rPr>
-              <a:t>Dr. Woodie Flowers, FIRST Distinguished Advisor</a:t>
-            </a:r>
-          </a:p>
-        </p:txBody>
-      </p:sp>
-      <p:sp>
-        <p:nvSpPr>
-          <p:cNvPr id="4" name="Date Placeholder 3">
+              <a:rPr lang="en-US" sz="1400" dirty="0"/>
+              <a:t>Dr. Woodie Flowers,  FIRST Distinguished Advisor</a:t>
+            </a:r>
+          </a:p>
+        </p:txBody>
+      </p:sp>
+      <p:sp>
+        <p:nvSpPr>
+          <p:cNvPr id="5" name="Footer Placeholder 4">
             <a:extLst>
               <a:ext uri="{FF2B5EF4-FFF2-40B4-BE49-F238E27FC236}">
-                <a16:creationId xmlns:a16="http://schemas.microsoft.com/office/drawing/2014/main" id="{6FA52888-AEE8-4712-87B1-D8AB2326A206}"/>
+                <a16:creationId xmlns:a16="http://schemas.microsoft.com/office/drawing/2014/main" id="{313607F9-D1E0-4730-9749-28A2D372900F}"/>
               </a:ext>
             </a:extLst>
           </p:cNvPr>
@@ -6591,7 +6474,7 @@
             <a:spLocks noGrp="1"/>
           </p:cNvSpPr>
           <p:nvPr>
-            <p:ph type="dt" sz="half" idx="10"/>
+            <p:ph type="ftr" sz="quarter" idx="11"/>
           </p:nvPr>
         </p:nvSpPr>
         <p:spPr/>
@@ -6600,41 +6483,12 @@
           <a:lstStyle/>
           <a:p>
             <a:r>
-              <a:rPr lang="en-US"/>
-              <a:t>Last Edit: </a:t>
-            </a:r>
-            <a:fld id="{720B0A29-EE36-AA4C-B913-76D95CADEC11}" type="datetime1">
-              <a:rPr lang="en-US" smtClean="0"/>
-              <a:t>7/18/18</a:t>
-            </a:fld>
-            <a:endParaRPr lang="en-US" dirty="0"/>
-          </a:p>
-        </p:txBody>
-      </p:sp>
-      <p:sp>
-        <p:nvSpPr>
-          <p:cNvPr id="5" name="Footer Placeholder 4">
-            <a:extLst>
-              <a:ext uri="{FF2B5EF4-FFF2-40B4-BE49-F238E27FC236}">
-                <a16:creationId xmlns:a16="http://schemas.microsoft.com/office/drawing/2014/main" id="{4FDE4E19-33E0-43BB-966B-733DA850FEC8}"/>
-              </a:ext>
-            </a:extLst>
-          </p:cNvPr>
-          <p:cNvSpPr>
-            <a:spLocks noGrp="1"/>
-          </p:cNvSpPr>
-          <p:nvPr>
-            <p:ph type="ftr" sz="quarter" idx="11"/>
-          </p:nvPr>
-        </p:nvSpPr>
-        <p:spPr/>
-        <p:txBody>
-          <a:bodyPr/>
-          <a:lstStyle/>
-          <a:p>
-            <a:r>
-              <a:rPr lang="en-US"/>
-              <a:t>Copyright 2018, FLL TUTORIALS</a:t>
+              <a:rPr lang="en-US" dirty="0"/>
+              <a:t>Copyright 2022, </a:t>
+            </a:r>
+            <a:r>
+              <a:rPr lang="en-US" dirty="0" err="1"/>
+              <a:t>FLLTutorials.com</a:t>
             </a:r>
             <a:endParaRPr lang="en-US" dirty="0"/>
           </a:p>
@@ -6645,7 +6499,7 @@
           <p:cNvPr id="6" name="Slide Number Placeholder 5">
             <a:extLst>
               <a:ext uri="{FF2B5EF4-FFF2-40B4-BE49-F238E27FC236}">
-                <a16:creationId xmlns:a16="http://schemas.microsoft.com/office/drawing/2014/main" id="{370E5963-C086-43C4-A8C7-86B5975C90BD}"/>
+                <a16:creationId xmlns:a16="http://schemas.microsoft.com/office/drawing/2014/main" id="{B8BACDBE-BFB2-4013-8995-C3C064FAB940}"/>
               </a:ext>
             </a:extLst>
           </p:cNvPr>
@@ -6670,45 +6524,10 @@
           </a:p>
         </p:txBody>
       </p:sp>
-      <p:pic>
-        <p:nvPicPr>
-          <p:cNvPr id="8" name="Picture 7">
-            <a:extLst>
-              <a:ext uri="{FF2B5EF4-FFF2-40B4-BE49-F238E27FC236}">
-                <a16:creationId xmlns:a16="http://schemas.microsoft.com/office/drawing/2014/main" id="{A088284C-68D4-3142-9CC4-234739B7B547}"/>
-              </a:ext>
-            </a:extLst>
-          </p:cNvPr>
-          <p:cNvPicPr>
-            <a:picLocks noChangeAspect="1"/>
-          </p:cNvPicPr>
-          <p:nvPr/>
-        </p:nvPicPr>
-        <p:blipFill rotWithShape="1">
-          <a:blip r:embed="rId2" cstate="print">
-            <a:extLst>
-              <a:ext uri="{28A0092B-C50C-407E-A947-70E740481C1C}">
-                <a14:useLocalDpi xmlns:a14="http://schemas.microsoft.com/office/drawing/2010/main"/>
-              </a:ext>
-            </a:extLst>
-          </a:blip>
-          <a:srcRect/>
-          <a:stretch/>
-        </p:blipFill>
-        <p:spPr>
-          <a:xfrm>
-            <a:off x="448091" y="2083631"/>
-            <a:ext cx="3467820" cy="3197117"/>
-          </a:xfrm>
-          <a:prstGeom prst="rect">
-            <a:avLst/>
-          </a:prstGeom>
-        </p:spPr>
-      </p:pic>
     </p:spTree>
     <p:extLst>
       <p:ext uri="{BB962C8B-B14F-4D97-AF65-F5344CB8AC3E}">
-        <p14:creationId xmlns:p14="http://schemas.microsoft.com/office/powerpoint/2010/main" val="2657630813"/>
+        <p14:creationId xmlns:p14="http://schemas.microsoft.com/office/powerpoint/2010/main" val="985203053"/>
       </p:ext>
     </p:extLst>
   </p:cSld>
@@ -6737,7 +6556,13 @@
       </p:grpSpPr>
       <p:sp>
         <p:nvSpPr>
-          <p:cNvPr id="2" name="Title 1"/>
+          <p:cNvPr id="2" name="Title 1">
+            <a:extLst>
+              <a:ext uri="{FF2B5EF4-FFF2-40B4-BE49-F238E27FC236}">
+                <a16:creationId xmlns:a16="http://schemas.microsoft.com/office/drawing/2014/main" id="{0A683086-CF03-407E-B421-7459EA7208A3}"/>
+              </a:ext>
+            </a:extLst>
+          </p:cNvPr>
           <p:cNvSpPr>
             <a:spLocks noGrp="1"/>
           </p:cNvSpPr>
@@ -6752,14 +6577,20 @@
           <a:p>
             <a:r>
               <a:rPr lang="en-US" dirty="0"/>
-              <a:t>TERMS USED in the CORE VALUES RUBRIC</a:t>
-            </a:r>
-          </a:p>
-        </p:txBody>
-      </p:sp>
-      <p:sp>
-        <p:nvSpPr>
-          <p:cNvPr id="3" name="Content Placeholder 2"/>
+              <a:t>Coopertition</a:t>
+            </a:r>
+          </a:p>
+        </p:txBody>
+      </p:sp>
+      <p:sp>
+        <p:nvSpPr>
+          <p:cNvPr id="3" name="Content Placeholder 2">
+            <a:extLst>
+              <a:ext uri="{FF2B5EF4-FFF2-40B4-BE49-F238E27FC236}">
+                <a16:creationId xmlns:a16="http://schemas.microsoft.com/office/drawing/2014/main" id="{841DF190-32DA-4AE1-9A0E-874809A4FAA1}"/>
+              </a:ext>
+            </a:extLst>
+          </p:cNvPr>
           <p:cNvSpPr>
             <a:spLocks noGrp="1"/>
           </p:cNvSpPr>
@@ -6769,307 +6600,65 @@
         </p:nvSpPr>
         <p:spPr>
           <a:xfrm>
-            <a:off x="4179192" y="1613711"/>
-            <a:ext cx="4383616" cy="4881848"/>
+            <a:off x="508471" y="2148505"/>
+            <a:ext cx="8062473" cy="3470787"/>
           </a:xfrm>
         </p:spPr>
         <p:txBody>
           <a:bodyPr>
-            <a:normAutofit fontScale="85000" lnSpcReduction="10000"/>
+            <a:normAutofit/>
           </a:bodyPr>
           <a:lstStyle/>
           <a:p>
-            <a:pPr lvl="0">
-              <a:spcBef>
-                <a:spcPts val="0"/>
-              </a:spcBef>
-              <a:buClr>
-                <a:srgbClr val="9E3611"/>
-              </a:buClr>
-              <a:buFont typeface="Noto Sans Symbols"/>
-              <a:buChar char="▪"/>
+            <a:pPr marL="0" indent="0" algn="ctr">
+              <a:buNone/>
             </a:pPr>
             <a:r>
-              <a:rPr lang="en-US" sz="2000" dirty="0">
+              <a:rPr lang="en-US" dirty="0">
                 <a:solidFill>
                   <a:schemeClr val="tx1"/>
                 </a:solidFill>
-                <a:ea typeface="Rockwell"/>
-                <a:cs typeface="Rockwell"/>
-                <a:sym typeface="Rockwell"/>
               </a:rPr>
-              <a:t>Look closely at the Rubrics and understand the meaning of each term:</a:t>
-            </a:r>
-          </a:p>
-          <a:p>
-            <a:pPr lvl="0">
-              <a:spcBef>
-                <a:spcPts val="0"/>
-              </a:spcBef>
-              <a:buClr>
-                <a:srgbClr val="9E3611"/>
-              </a:buClr>
-              <a:buFont typeface="Noto Sans Symbols"/>
-              <a:buChar char="▪"/>
+              <a:t> </a:t>
+            </a:r>
+            <a:r>
+              <a:rPr lang="en-US" sz="3200" dirty="0">
+                <a:solidFill>
+                  <a:schemeClr val="tx1"/>
+                </a:solidFill>
+              </a:rPr>
+              <a:t> “ Teams can and should help and cooperate with each other even as they compete”</a:t>
+            </a:r>
+          </a:p>
+          <a:p>
+            <a:pPr marL="0" indent="0" algn="ctr">
+              <a:buNone/>
             </a:pPr>
-            <a:endParaRPr lang="en-US" sz="2000" dirty="0">
-              <a:solidFill>
-                <a:srgbClr val="FF0000"/>
-              </a:solidFill>
-              <a:ea typeface="Rockwell"/>
-              <a:cs typeface="Rockwell"/>
-              <a:sym typeface="Rockwell"/>
-            </a:endParaRPr>
-          </a:p>
-          <a:p>
-            <a:pPr lvl="0">
-              <a:spcBef>
-                <a:spcPts val="0"/>
-              </a:spcBef>
-              <a:buClr>
-                <a:srgbClr val="9E3611"/>
-              </a:buClr>
-              <a:buFont typeface="Noto Sans Symbols"/>
-              <a:buChar char="▪"/>
-            </a:pPr>
-            <a:r>
-              <a:rPr lang="en-US" sz="2000" dirty="0">
-                <a:solidFill>
-                  <a:srgbClr val="FF0000"/>
-                </a:solidFill>
-                <a:ea typeface="Rockwell"/>
-                <a:cs typeface="Rockwell"/>
-                <a:sym typeface="Rockwell"/>
+            <a:r>
+              <a:rPr lang="en-US" sz="1400" dirty="0">
+                <a:solidFill>
+                  <a:schemeClr val="tx1"/>
+                </a:solidFill>
               </a:rPr>
-              <a:t>Discovery: </a:t>
-            </a:r>
-            <a:r>
-              <a:rPr lang="en-US" sz="2000" dirty="0">
-                <a:solidFill>
-                  <a:schemeClr val="dk1"/>
-                </a:solidFill>
-                <a:ea typeface="Rockwell"/>
-                <a:cs typeface="Rockwell"/>
-                <a:sym typeface="Rockwell"/>
-              </a:rPr>
-              <a:t> Equal time on all parts of FIRST LEGO League</a:t>
-            </a:r>
-          </a:p>
-          <a:p>
-            <a:pPr lvl="0">
-              <a:buClr>
-                <a:srgbClr val="9E3611"/>
-              </a:buClr>
-              <a:buFont typeface="Noto Sans Symbols"/>
-              <a:buChar char="▪"/>
-            </a:pPr>
-            <a:r>
-              <a:rPr lang="en-US" sz="2000" dirty="0">
-                <a:solidFill>
-                  <a:srgbClr val="FF0000"/>
-                </a:solidFill>
-                <a:ea typeface="Rockwell"/>
-                <a:cs typeface="Rockwell"/>
-                <a:sym typeface="Rockwell"/>
-              </a:rPr>
-              <a:t>Team Spirit: </a:t>
-            </a:r>
-            <a:r>
-              <a:rPr lang="en-US" sz="2000" dirty="0">
-                <a:solidFill>
-                  <a:schemeClr val="dk1"/>
-                </a:solidFill>
-                <a:ea typeface="Rockwell"/>
-                <a:cs typeface="Rockwell"/>
-                <a:sym typeface="Rockwell"/>
-              </a:rPr>
-              <a:t> Having your own identity</a:t>
-            </a:r>
-          </a:p>
-          <a:p>
-            <a:pPr lvl="0">
-              <a:buClr>
-                <a:srgbClr val="9E3611"/>
-              </a:buClr>
-              <a:buFont typeface="Noto Sans Symbols"/>
-              <a:buChar char="▪"/>
-            </a:pPr>
-            <a:r>
-              <a:rPr lang="en-US" sz="2000" dirty="0">
-                <a:solidFill>
-                  <a:srgbClr val="FF0000"/>
-                </a:solidFill>
-                <a:ea typeface="Rockwell"/>
-                <a:cs typeface="Rockwell"/>
-                <a:sym typeface="Rockwell"/>
-              </a:rPr>
-              <a:t>Integration: </a:t>
-            </a:r>
-            <a:r>
-              <a:rPr lang="en-US" sz="2000" dirty="0">
-                <a:solidFill>
-                  <a:schemeClr val="dk1"/>
-                </a:solidFill>
-                <a:ea typeface="Rockwell"/>
-                <a:cs typeface="Rockwell"/>
-                <a:sym typeface="Rockwell"/>
-              </a:rPr>
-              <a:t>Using what you learn in FIRST LEGO League outside FI</a:t>
-            </a:r>
-            <a:r>
-              <a:rPr lang="en-US" sz="2000" dirty="0">
-                <a:solidFill>
-                  <a:schemeClr val="tx1"/>
-                </a:solidFill>
-                <a:ea typeface="Rockwell"/>
-                <a:cs typeface="Rockwell"/>
-                <a:sym typeface="Rockwell"/>
-              </a:rPr>
-              <a:t>RST</a:t>
-            </a:r>
-            <a:r>
-              <a:rPr lang="en-US" sz="2000" dirty="0">
-                <a:solidFill>
-                  <a:schemeClr val="dk1"/>
-                </a:solidFill>
-                <a:ea typeface="Rockwell"/>
-                <a:cs typeface="Rockwell"/>
-                <a:sym typeface="Rockwell"/>
-              </a:rPr>
-              <a:t> LEGO League</a:t>
-            </a:r>
-          </a:p>
-          <a:p>
-            <a:pPr lvl="0">
-              <a:buClr>
-                <a:srgbClr val="9E3611"/>
-              </a:buClr>
-              <a:buFont typeface="Noto Sans Symbols"/>
-              <a:buChar char="▪"/>
-            </a:pPr>
-            <a:r>
-              <a:rPr lang="en-US" sz="2000" dirty="0">
-                <a:solidFill>
-                  <a:srgbClr val="FF0000"/>
-                </a:solidFill>
-                <a:ea typeface="Rockwell"/>
-                <a:cs typeface="Rockwell"/>
-                <a:sym typeface="Rockwell"/>
-              </a:rPr>
-              <a:t>Teamwork: </a:t>
-            </a:r>
-            <a:r>
-              <a:rPr lang="en-US" sz="2000" dirty="0">
-                <a:solidFill>
-                  <a:schemeClr val="tx1"/>
-                </a:solidFill>
-                <a:ea typeface="Rockwell"/>
-                <a:cs typeface="Rockwell"/>
-                <a:sym typeface="Rockwell"/>
-              </a:rPr>
-              <a:t>Being able to work together effectively, and efficiently without coach help</a:t>
-            </a:r>
-          </a:p>
-          <a:p>
-            <a:pPr lvl="0">
-              <a:buClr>
-                <a:srgbClr val="9E3611"/>
-              </a:buClr>
-              <a:buFont typeface="Noto Sans Symbols"/>
-              <a:buChar char="▪"/>
-            </a:pPr>
-            <a:r>
-              <a:rPr lang="en-US" sz="2000" dirty="0">
-                <a:solidFill>
-                  <a:srgbClr val="FF0000"/>
-                </a:solidFill>
-                <a:ea typeface="Rockwell"/>
-                <a:cs typeface="Rockwell"/>
-                <a:sym typeface="Rockwell"/>
-              </a:rPr>
-              <a:t>Inclusion: </a:t>
-            </a:r>
-            <a:r>
-              <a:rPr lang="en-US" sz="2000" dirty="0">
-                <a:solidFill>
-                  <a:schemeClr val="tx1"/>
-                </a:solidFill>
-                <a:ea typeface="Rockwell"/>
-                <a:cs typeface="Rockwell"/>
-                <a:sym typeface="Rockwell"/>
-              </a:rPr>
-              <a:t>Making sure all team members are included</a:t>
-            </a:r>
-          </a:p>
-          <a:p>
-            <a:pPr lvl="0">
-              <a:buClr>
-                <a:srgbClr val="9E3611"/>
-              </a:buClr>
-              <a:buFont typeface="Noto Sans Symbols"/>
-              <a:buChar char="▪"/>
-            </a:pPr>
-            <a:r>
-              <a:rPr lang="en-US" sz="2000" dirty="0">
-                <a:solidFill>
-                  <a:srgbClr val="FF0000"/>
-                </a:solidFill>
-                <a:ea typeface="Rockwell"/>
-                <a:cs typeface="Rockwell"/>
-                <a:sym typeface="Rockwell"/>
-              </a:rPr>
-              <a:t>Respect:  </a:t>
-            </a:r>
-            <a:r>
-              <a:rPr lang="en-US" sz="2000" dirty="0">
-                <a:solidFill>
-                  <a:schemeClr val="tx1"/>
-                </a:solidFill>
-                <a:ea typeface="Rockwell"/>
-                <a:cs typeface="Rockwell"/>
-                <a:sym typeface="Rockwell"/>
-              </a:rPr>
-              <a:t>Valuing each member</a:t>
-            </a:r>
-          </a:p>
-          <a:p>
-            <a:pPr lvl="0">
-              <a:buClr>
-                <a:srgbClr val="9E3611"/>
-              </a:buClr>
-              <a:buFont typeface="Noto Sans Symbols"/>
-              <a:buChar char="▪"/>
-            </a:pPr>
-            <a:r>
-              <a:rPr lang="en-US" sz="2000" dirty="0">
-                <a:solidFill>
-                  <a:srgbClr val="FF0000"/>
-                </a:solidFill>
-                <a:ea typeface="Rockwell"/>
-                <a:cs typeface="Rockwell"/>
-                <a:sym typeface="Rockwell"/>
-              </a:rPr>
-              <a:t>Coopertition: </a:t>
-            </a:r>
-            <a:r>
-              <a:rPr lang="en-US" sz="2000" dirty="0">
-                <a:ea typeface="Rockwell"/>
-                <a:cs typeface="Rockwell"/>
-                <a:sym typeface="Rockwell"/>
-              </a:rPr>
-              <a:t>Helping others and accepting help from others, working with other teams</a:t>
-            </a:r>
-          </a:p>
-        </p:txBody>
-      </p:sp>
-      <p:sp>
-        <p:nvSpPr>
-          <p:cNvPr id="4" name="Slide Number Placeholder 3"/>
-          <p:cNvSpPr>
-            <a:spLocks noGrp="1"/>
-          </p:cNvSpPr>
-          <p:nvPr>
-            <p:ph type="sldNum" sz="quarter" idx="12"/>
+              <a:t>Dr. Woodie Flowers, FIRST Distinguished Advisor</a:t>
+            </a:r>
+          </a:p>
+        </p:txBody>
+      </p:sp>
+      <p:sp>
+        <p:nvSpPr>
+          <p:cNvPr id="5" name="Footer Placeholder 4">
+            <a:extLst>
+              <a:ext uri="{FF2B5EF4-FFF2-40B4-BE49-F238E27FC236}">
+                <a16:creationId xmlns:a16="http://schemas.microsoft.com/office/drawing/2014/main" id="{4FDE4E19-33E0-43BB-966B-733DA850FEC8}"/>
+              </a:ext>
+            </a:extLst>
+          </p:cNvPr>
+          <p:cNvSpPr>
+            <a:spLocks noGrp="1"/>
+          </p:cNvSpPr>
+          <p:nvPr>
+            <p:ph type="ftr" sz="quarter" idx="11"/>
           </p:nvPr>
         </p:nvSpPr>
         <p:spPr/>
@@ -7077,123 +6666,52 @@
           <a:bodyPr/>
           <a:lstStyle/>
           <a:p>
-            <a:fld id="{5295A1AA-1C1C-1D42-A68A-D4A2E4B47F7A}" type="slidenum">
+            <a:r>
+              <a:rPr lang="en-US" dirty="0"/>
+              <a:t>Copyright 2022, </a:t>
+            </a:r>
+            <a:r>
+              <a:rPr lang="en-US" dirty="0" err="1"/>
+              <a:t>FLLTutorials.com</a:t>
+            </a:r>
+            <a:endParaRPr lang="en-US" dirty="0"/>
+          </a:p>
+        </p:txBody>
+      </p:sp>
+      <p:sp>
+        <p:nvSpPr>
+          <p:cNvPr id="6" name="Slide Number Placeholder 5">
+            <a:extLst>
+              <a:ext uri="{FF2B5EF4-FFF2-40B4-BE49-F238E27FC236}">
+                <a16:creationId xmlns:a16="http://schemas.microsoft.com/office/drawing/2014/main" id="{370E5963-C086-43C4-A8C7-86B5975C90BD}"/>
+              </a:ext>
+            </a:extLst>
+          </p:cNvPr>
+          <p:cNvSpPr>
+            <a:spLocks noGrp="1"/>
+          </p:cNvSpPr>
+          <p:nvPr>
+            <p:ph type="sldNum" sz="quarter" idx="12"/>
+          </p:nvPr>
+        </p:nvSpPr>
+        <p:spPr/>
+        <p:txBody>
+          <a:bodyPr/>
+          <a:lstStyle/>
+          <a:p>
+            <a:fld id="{D57F1E4F-1CFF-5643-939E-217C01CDF565}" type="slidenum">
               <a:rPr lang="en-US" smtClean="0"/>
+              <a:pPr/>
               <a:t>6</a:t>
             </a:fld>
             <a:endParaRPr lang="en-US" dirty="0"/>
           </a:p>
         </p:txBody>
       </p:sp>
-      <p:pic>
-        <p:nvPicPr>
-          <p:cNvPr id="7" name="Picture 6"/>
-          <p:cNvPicPr>
-            <a:picLocks noChangeAspect="1"/>
-          </p:cNvPicPr>
-          <p:nvPr/>
-        </p:nvPicPr>
-        <p:blipFill rotWithShape="1">
-          <a:blip r:embed="rId3" cstate="print">
-            <a:extLst>
-              <a:ext uri="{28A0092B-C50C-407E-A947-70E740481C1C}">
-                <a14:useLocalDpi xmlns:a14="http://schemas.microsoft.com/office/drawing/2010/main"/>
-              </a:ext>
-            </a:extLst>
-          </a:blip>
-          <a:srcRect t="-650"/>
-          <a:stretch/>
-        </p:blipFill>
-        <p:spPr>
-          <a:xfrm>
-            <a:off x="581192" y="1613711"/>
-            <a:ext cx="3388620" cy="4556814"/>
-          </a:xfrm>
-          <a:prstGeom prst="rect">
-            <a:avLst/>
-          </a:prstGeom>
-          <a:ln w="38100" cap="sq">
-            <a:solidFill>
-              <a:srgbClr val="000000"/>
-            </a:solidFill>
-            <a:prstDash val="solid"/>
-            <a:miter lim="800000"/>
-          </a:ln>
-          <a:effectLst>
-            <a:outerShdw blurRad="50800" dist="38100" dir="2700000" algn="tl" rotWithShape="0">
-              <a:srgbClr val="000000">
-                <a:alpha val="43000"/>
-              </a:srgbClr>
-            </a:outerShdw>
-          </a:effectLst>
-        </p:spPr>
-      </p:pic>
-      <p:sp>
-        <p:nvSpPr>
-          <p:cNvPr id="5" name="Date Placeholder 4">
-            <a:extLst>
-              <a:ext uri="{FF2B5EF4-FFF2-40B4-BE49-F238E27FC236}">
-                <a16:creationId xmlns:a16="http://schemas.microsoft.com/office/drawing/2014/main" id="{7E392023-DA73-2E4D-93C7-A1E71BB631C3}"/>
-              </a:ext>
-            </a:extLst>
-          </p:cNvPr>
-          <p:cNvSpPr>
-            <a:spLocks noGrp="1"/>
-          </p:cNvSpPr>
-          <p:nvPr>
-            <p:ph type="dt" sz="half" idx="10"/>
-          </p:nvPr>
-        </p:nvSpPr>
-        <p:spPr/>
-        <p:txBody>
-          <a:bodyPr/>
-          <a:lstStyle/>
-          <a:p>
-            <a:r>
-              <a:rPr lang="en-US"/>
-              <a:t>Last Edit: </a:t>
-            </a:r>
-            <a:fld id="{BBCF8D8F-F442-904E-940F-892331F98BE0}" type="datetime1">
-              <a:rPr lang="en-US" smtClean="0"/>
-              <a:t>7/18/18</a:t>
-            </a:fld>
-            <a:endParaRPr lang="en-US" dirty="0"/>
-          </a:p>
-        </p:txBody>
-      </p:sp>
-      <p:sp>
-        <p:nvSpPr>
-          <p:cNvPr id="8" name="Footer Placeholder 7">
-            <a:extLst>
-              <a:ext uri="{FF2B5EF4-FFF2-40B4-BE49-F238E27FC236}">
-                <a16:creationId xmlns:a16="http://schemas.microsoft.com/office/drawing/2014/main" id="{E386F41D-22DE-A444-A60F-1E440A0D5BBE}"/>
-              </a:ext>
-            </a:extLst>
-          </p:cNvPr>
-          <p:cNvSpPr>
-            <a:spLocks noGrp="1"/>
-          </p:cNvSpPr>
-          <p:nvPr>
-            <p:ph type="ftr" sz="quarter" idx="11"/>
-          </p:nvPr>
-        </p:nvSpPr>
-        <p:spPr/>
-        <p:txBody>
-          <a:bodyPr/>
-          <a:lstStyle/>
-          <a:p>
-            <a:r>
-              <a:rPr lang="en-US"/>
-              <a:t>Copyright 2018, FLL TUTORIALS</a:t>
-            </a:r>
-            <a:endParaRPr lang="en-US" dirty="0"/>
-          </a:p>
-        </p:txBody>
-      </p:sp>
     </p:spTree>
     <p:extLst>
       <p:ext uri="{BB962C8B-B14F-4D97-AF65-F5344CB8AC3E}">
-        <p14:creationId xmlns:p14="http://schemas.microsoft.com/office/powerpoint/2010/main" val="3060522664"/>
+        <p14:creationId xmlns:p14="http://schemas.microsoft.com/office/powerpoint/2010/main" val="2657630813"/>
       </p:ext>
     </p:extLst>
   </p:cSld>
@@ -7222,7 +6740,13 @@
       </p:grpSpPr>
       <p:sp>
         <p:nvSpPr>
-          <p:cNvPr id="2" name="Title 1"/>
+          <p:cNvPr id="2" name="Title 1">
+            <a:extLst>
+              <a:ext uri="{FF2B5EF4-FFF2-40B4-BE49-F238E27FC236}">
+                <a16:creationId xmlns:a16="http://schemas.microsoft.com/office/drawing/2014/main" id="{D554625D-5C4E-4750-D4F3-A6A4A21114C3}"/>
+              </a:ext>
+            </a:extLst>
+          </p:cNvPr>
           <p:cNvSpPr>
             <a:spLocks noGrp="1"/>
           </p:cNvSpPr>
@@ -7237,19 +6761,25 @@
           <a:p>
             <a:r>
               <a:rPr lang="en-US" dirty="0"/>
-              <a:t>Displaying COOPERTITION is important</a:t>
-            </a:r>
-          </a:p>
-        </p:txBody>
-      </p:sp>
-      <p:sp>
-        <p:nvSpPr>
-          <p:cNvPr id="4" name="Slide Number Placeholder 3"/>
-          <p:cNvSpPr>
-            <a:spLocks noGrp="1"/>
-          </p:cNvSpPr>
-          <p:nvPr>
-            <p:ph type="sldNum" sz="quarter" idx="12"/>
+              <a:t>NOW THINK ABOUT…</a:t>
+            </a:r>
+          </a:p>
+        </p:txBody>
+      </p:sp>
+      <p:sp>
+        <p:nvSpPr>
+          <p:cNvPr id="4" name="Footer Placeholder 3">
+            <a:extLst>
+              <a:ext uri="{FF2B5EF4-FFF2-40B4-BE49-F238E27FC236}">
+                <a16:creationId xmlns:a16="http://schemas.microsoft.com/office/drawing/2014/main" id="{82F95447-AA76-5458-9E51-66D8B9940828}"/>
+              </a:ext>
+            </a:extLst>
+          </p:cNvPr>
+          <p:cNvSpPr>
+            <a:spLocks noGrp="1"/>
+          </p:cNvSpPr>
+          <p:nvPr>
+            <p:ph type="ftr" sz="quarter" idx="11"/>
           </p:nvPr>
         </p:nvSpPr>
         <p:spPr/>
@@ -7257,9 +6787,227 @@
           <a:bodyPr/>
           <a:lstStyle/>
           <a:p>
+            <a:r>
+              <a:rPr lang="en-US" dirty="0"/>
+              <a:t>Copyright 2022, </a:t>
+            </a:r>
+            <a:r>
+              <a:rPr lang="en-US" dirty="0" err="1"/>
+              <a:t>FLLTutorials.com</a:t>
+            </a:r>
+            <a:endParaRPr lang="en-US" dirty="0"/>
+          </a:p>
+        </p:txBody>
+      </p:sp>
+      <p:sp>
+        <p:nvSpPr>
+          <p:cNvPr id="5" name="Slide Number Placeholder 4">
+            <a:extLst>
+              <a:ext uri="{FF2B5EF4-FFF2-40B4-BE49-F238E27FC236}">
+                <a16:creationId xmlns:a16="http://schemas.microsoft.com/office/drawing/2014/main" id="{DCDFEDF5-08A5-0767-5EA9-1F9E6BEA5B44}"/>
+              </a:ext>
+            </a:extLst>
+          </p:cNvPr>
+          <p:cNvSpPr>
+            <a:spLocks noGrp="1"/>
+          </p:cNvSpPr>
+          <p:nvPr>
+            <p:ph type="sldNum" sz="quarter" idx="12"/>
+          </p:nvPr>
+        </p:nvSpPr>
+        <p:spPr/>
+        <p:txBody>
+          <a:bodyPr/>
+          <a:lstStyle/>
+          <a:p>
+            <a:fld id="{D57F1E4F-1CFF-5643-939E-217C01CDF565}" type="slidenum">
+              <a:rPr lang="en-US" smtClean="0"/>
+              <a:pPr/>
+              <a:t>7</a:t>
+            </a:fld>
+            <a:endParaRPr lang="en-US" dirty="0"/>
+          </a:p>
+        </p:txBody>
+      </p:sp>
+      <p:sp>
+        <p:nvSpPr>
+          <p:cNvPr id="6" name="Content Placeholder 2">
+            <a:extLst>
+              <a:ext uri="{FF2B5EF4-FFF2-40B4-BE49-F238E27FC236}">
+                <a16:creationId xmlns:a16="http://schemas.microsoft.com/office/drawing/2014/main" id="{F492EE85-85A1-131C-9FE5-530E8ACBE6BF}"/>
+              </a:ext>
+            </a:extLst>
+          </p:cNvPr>
+          <p:cNvSpPr>
+            <a:spLocks noGrp="1"/>
+          </p:cNvSpPr>
+          <p:nvPr>
+            <p:ph idx="1"/>
+          </p:nvPr>
+        </p:nvSpPr>
+        <p:spPr/>
+        <p:txBody>
+          <a:bodyPr>
+            <a:normAutofit lnSpcReduction="10000"/>
+          </a:bodyPr>
+          <a:lstStyle/>
+          <a:p>
+            <a:pPr lvl="0">
+              <a:spcBef>
+                <a:spcPts val="0"/>
+              </a:spcBef>
+              <a:buClr>
+                <a:srgbClr val="9E3611"/>
+              </a:buClr>
+              <a:buFont typeface="Noto Sans Symbols"/>
+              <a:buChar char="▪"/>
+            </a:pPr>
+            <a:r>
+              <a:rPr lang="en-US" sz="4000" dirty="0">
+                <a:solidFill>
+                  <a:schemeClr val="tx1"/>
+                </a:solidFill>
+                <a:ea typeface="Rockwell"/>
+                <a:cs typeface="Rockwell"/>
+                <a:sym typeface="Rockwell"/>
+              </a:rPr>
+              <a:t>How will your team demonstrate that you understand the Core Value and used them?</a:t>
+            </a:r>
+          </a:p>
+          <a:p>
+            <a:pPr lvl="0">
+              <a:spcBef>
+                <a:spcPts val="0"/>
+              </a:spcBef>
+              <a:buClr>
+                <a:srgbClr val="9E3611"/>
+              </a:buClr>
+              <a:buFont typeface="Noto Sans Symbols"/>
+              <a:buChar char="▪"/>
+            </a:pPr>
+            <a:r>
+              <a:rPr lang="en-US" sz="4000" dirty="0">
+                <a:solidFill>
+                  <a:schemeClr val="tx1"/>
+                </a:solidFill>
+                <a:ea typeface="Rockwell"/>
+                <a:cs typeface="Rockwell"/>
+                <a:sym typeface="Rockwell"/>
+              </a:rPr>
+              <a:t>How will you make decisions and include everyone?</a:t>
+            </a:r>
+          </a:p>
+          <a:p>
+            <a:pPr lvl="0">
+              <a:spcBef>
+                <a:spcPts val="0"/>
+              </a:spcBef>
+              <a:buClr>
+                <a:srgbClr val="9E3611"/>
+              </a:buClr>
+              <a:buFont typeface="Noto Sans Symbols"/>
+              <a:buChar char="▪"/>
+            </a:pPr>
+            <a:r>
+              <a:rPr lang="en-US" sz="4000" dirty="0">
+                <a:solidFill>
+                  <a:schemeClr val="tx1"/>
+                </a:solidFill>
+                <a:ea typeface="Rockwell"/>
+                <a:cs typeface="Rockwell"/>
+                <a:sym typeface="Rockwell"/>
+              </a:rPr>
+              <a:t>How will you share your knowledge and impact others?</a:t>
+            </a:r>
+          </a:p>
+          <a:p>
+            <a:pPr marL="324000" lvl="1" indent="0">
+              <a:spcBef>
+                <a:spcPts val="0"/>
+              </a:spcBef>
+              <a:buClr>
+                <a:srgbClr val="9E3611"/>
+              </a:buClr>
+              <a:buNone/>
+            </a:pPr>
+            <a:endParaRPr lang="en-US" sz="3600" dirty="0">
+              <a:ea typeface="Rockwell"/>
+              <a:cs typeface="Rockwell"/>
+              <a:sym typeface="Rockwell"/>
+            </a:endParaRPr>
+          </a:p>
+        </p:txBody>
+      </p:sp>
+    </p:spTree>
+    <p:extLst>
+      <p:ext uri="{BB962C8B-B14F-4D97-AF65-F5344CB8AC3E}">
+        <p14:creationId xmlns:p14="http://schemas.microsoft.com/office/powerpoint/2010/main" val="673250253"/>
+      </p:ext>
+    </p:extLst>
+  </p:cSld>
+  <p:clrMapOvr>
+    <a:masterClrMapping/>
+  </p:clrMapOvr>
+</p:sld>
+</file>
+
+<file path=ppt/slides/slide8.xml><?xml version="1.0" encoding="utf-8"?>
+<p:sld xmlns:a="http://schemas.openxmlformats.org/drawingml/2006/main" xmlns:r="http://schemas.openxmlformats.org/officeDocument/2006/relationships" xmlns:p="http://schemas.openxmlformats.org/presentationml/2006/main">
+  <p:cSld>
+    <p:spTree>
+      <p:nvGrpSpPr>
+        <p:cNvPr id="1" name=""/>
+        <p:cNvGrpSpPr/>
+        <p:nvPr/>
+      </p:nvGrpSpPr>
+      <p:grpSpPr>
+        <a:xfrm>
+          <a:off x="0" y="0"/>
+          <a:ext cx="0" cy="0"/>
+          <a:chOff x="0" y="0"/>
+          <a:chExt cx="0" cy="0"/>
+        </a:xfrm>
+      </p:grpSpPr>
+      <p:sp>
+        <p:nvSpPr>
+          <p:cNvPr id="2" name="Title 1"/>
+          <p:cNvSpPr>
+            <a:spLocks noGrp="1"/>
+          </p:cNvSpPr>
+          <p:nvPr>
+            <p:ph type="title"/>
+          </p:nvPr>
+        </p:nvSpPr>
+        <p:spPr/>
+        <p:txBody>
+          <a:bodyPr/>
+          <a:lstStyle/>
+          <a:p>
+            <a:r>
+              <a:rPr lang="en-US" dirty="0"/>
+              <a:t>WHY IS COOPERTITION important</a:t>
+            </a:r>
+          </a:p>
+        </p:txBody>
+      </p:sp>
+      <p:sp>
+        <p:nvSpPr>
+          <p:cNvPr id="4" name="Slide Number Placeholder 3"/>
+          <p:cNvSpPr>
+            <a:spLocks noGrp="1"/>
+          </p:cNvSpPr>
+          <p:nvPr>
+            <p:ph type="sldNum" sz="quarter" idx="12"/>
+          </p:nvPr>
+        </p:nvSpPr>
+        <p:spPr/>
+        <p:txBody>
+          <a:bodyPr/>
+          <a:lstStyle/>
+          <a:p>
             <a:fld id="{5295A1AA-1C1C-1D42-A68A-D4A2E4B47F7A}" type="slidenum">
               <a:rPr lang="en-US" smtClean="0"/>
-              <a:t>7</a:t>
+              <a:t>8</a:t>
             </a:fld>
             <a:endParaRPr lang="en-US"/>
           </a:p>
@@ -7273,8 +7021,8 @@
         </p:nvSpPr>
         <p:spPr>
           <a:xfrm>
-            <a:off x="457543" y="1640815"/>
-            <a:ext cx="4205206" cy="4789003"/>
+            <a:off x="457542" y="1640815"/>
+            <a:ext cx="5257457" cy="4601260"/>
           </a:xfrm>
           <a:prstGeom prst="rect">
             <a:avLst/>
@@ -7286,6 +7034,54 @@
             <a:spAutoFit/>
           </a:bodyPr>
           <a:lstStyle/>
+          <a:p>
+            <a:pPr marL="306000" lvl="1" indent="-306000">
+              <a:spcBef>
+                <a:spcPct val="20000"/>
+              </a:spcBef>
+              <a:spcAft>
+                <a:spcPts val="600"/>
+              </a:spcAft>
+              <a:buClr>
+                <a:schemeClr val="accent2"/>
+              </a:buClr>
+              <a:buSzPct val="92000"/>
+              <a:buFont typeface="Wingdings" pitchFamily="2" charset="2"/>
+              <a:buChar char="§"/>
+            </a:pPr>
+            <a:r>
+              <a:rPr lang="en-US" dirty="0">
+                <a:solidFill>
+                  <a:schemeClr val="tx2"/>
+                </a:solidFill>
+              </a:rPr>
+              <a:t>It encourages learning from your teammates, competitors, and mentors</a:t>
+            </a:r>
+          </a:p>
+          <a:p>
+            <a:pPr marL="306000" lvl="1" indent="-306000">
+              <a:spcBef>
+                <a:spcPct val="20000"/>
+              </a:spcBef>
+              <a:spcAft>
+                <a:spcPts val="600"/>
+              </a:spcAft>
+              <a:buClr>
+                <a:schemeClr val="accent2"/>
+              </a:buClr>
+              <a:buSzPct val="92000"/>
+              <a:buFont typeface="Wingdings" pitchFamily="2" charset="2"/>
+              <a:buChar char="§"/>
+            </a:pPr>
+            <a:r>
+              <a:rPr lang="en-US" dirty="0">
+                <a:solidFill>
+                  <a:schemeClr val="tx2"/>
+                </a:solidFill>
+              </a:rPr>
+              <a:t>It is what makes the FIRST program different</a:t>
+            </a:r>
+          </a:p>
           <a:p>
             <a:pPr marL="306000" indent="-306000">
               <a:spcBef>
@@ -7302,13 +7098,26 @@
               <a:buChar char="§"/>
             </a:pPr>
             <a:r>
-              <a:rPr lang="en-US" sz="1600" dirty="0">
+              <a:rPr lang="en-US" b="1" dirty="0">
                 <a:solidFill>
                   <a:schemeClr val="tx2"/>
                 </a:solidFill>
               </a:rPr>
-              <a:t>Why is it important?</a:t>
-            </a:r>
+              <a:t>Many ways to show </a:t>
+            </a:r>
+            <a:r>
+              <a:rPr lang="en-US" b="1" dirty="0" err="1">
+                <a:solidFill>
+                  <a:schemeClr val="tx2"/>
+                </a:solidFill>
+              </a:rPr>
+              <a:t>Coopertition</a:t>
+            </a:r>
+            <a:endParaRPr lang="en-US" b="1" dirty="0">
+              <a:solidFill>
+                <a:schemeClr val="tx2"/>
+              </a:solidFill>
+            </a:endParaRPr>
           </a:p>
           <a:p>
             <a:pPr marL="763200" lvl="2" indent="-306000">
@@ -7326,12 +7135,12 @@
               <a:buChar char="§"/>
             </a:pPr>
             <a:r>
-              <a:rPr lang="en-US" sz="1600" dirty="0">
+              <a:rPr lang="en-US" dirty="0">
                 <a:solidFill>
                   <a:schemeClr val="tx2"/>
                 </a:solidFill>
               </a:rPr>
-              <a:t>It encourages learning from your teammates, competitors, and mentors</a:t>
+              <a:t>Lending a team a part if they need it, even if it helps them to score higher</a:t>
             </a:r>
           </a:p>
           <a:p>
@@ -7350,50 +7159,13 @@
               <a:buChar char="§"/>
             </a:pPr>
             <a:r>
-              <a:rPr lang="en-US" sz="1600" dirty="0">
+              <a:rPr lang="en-US" dirty="0">
                 <a:solidFill>
                   <a:schemeClr val="tx2"/>
                 </a:solidFill>
               </a:rPr>
-              <a:t>It is what makes the FIRST program different</a:t>
-            </a:r>
-          </a:p>
-          <a:p>
-            <a:pPr marL="306000" indent="-306000">
-              <a:spcBef>
-                <a:spcPct val="20000"/>
-              </a:spcBef>
-              <a:spcAft>
-                <a:spcPts val="600"/>
-              </a:spcAft>
-              <a:buClr>
-                <a:schemeClr val="accent2"/>
-              </a:buClr>
-              <a:buSzPct val="92000"/>
-              <a:buFont typeface="Wingdings" pitchFamily="2" charset="2"/>
-              <a:buChar char="§"/>
-            </a:pPr>
-            <a:r>
-              <a:rPr lang="en-US" sz="1600" dirty="0">
-                <a:solidFill>
-                  <a:schemeClr val="tx2"/>
-                </a:solidFill>
-              </a:rPr>
-              <a:t>Many ways to show </a:t>
-            </a:r>
-            <a:r>
-              <a:rPr lang="en-US" sz="1600" dirty="0" err="1">
-                <a:solidFill>
-                  <a:schemeClr val="tx2"/>
-                </a:solidFill>
-              </a:rPr>
-              <a:t>Coopertition</a:t>
-            </a:r>
-            <a:endParaRPr lang="en-US" sz="1600" dirty="0">
-              <a:solidFill>
-                <a:schemeClr val="tx2"/>
-              </a:solidFill>
-            </a:endParaRPr>
+              <a:t>Inviting teams to your house to teach them how to make better projects and teach them your robotics skills</a:t>
+            </a:r>
           </a:p>
           <a:p>
             <a:pPr marL="763200" lvl="2" indent="-306000">
@@ -7411,55 +7183,7 @@
               <a:buChar char="§"/>
             </a:pPr>
             <a:r>
-              <a:rPr lang="en-US" sz="1600" dirty="0">
-                <a:solidFill>
-                  <a:schemeClr val="tx2"/>
-                </a:solidFill>
-              </a:rPr>
-              <a:t>Lending a team a part if they need it, even if it helps them to score higher</a:t>
-            </a:r>
-          </a:p>
-          <a:p>
-            <a:pPr marL="763200" lvl="2" indent="-306000">
-              <a:spcBef>
-                <a:spcPct val="20000"/>
-              </a:spcBef>
-              <a:spcAft>
-                <a:spcPts val="600"/>
-              </a:spcAft>
-              <a:buClr>
-                <a:schemeClr val="accent2"/>
-              </a:buClr>
-              <a:buSzPct val="92000"/>
-              <a:buFont typeface="Wingdings" pitchFamily="2" charset="2"/>
-              <a:buChar char="§"/>
-            </a:pPr>
-            <a:r>
-              <a:rPr lang="en-US" sz="1600" dirty="0">
-                <a:solidFill>
-                  <a:schemeClr val="tx2"/>
-                </a:solidFill>
-              </a:rPr>
-              <a:t>Inviting teams to your house to teach them how to make better projects and teach them your robotics skills</a:t>
-            </a:r>
-          </a:p>
-          <a:p>
-            <a:pPr marL="763200" lvl="2" indent="-306000">
-              <a:spcBef>
-                <a:spcPct val="20000"/>
-              </a:spcBef>
-              <a:spcAft>
-                <a:spcPts val="600"/>
-              </a:spcAft>
-              <a:buClr>
-                <a:schemeClr val="accent2"/>
-              </a:buClr>
-              <a:buSzPct val="92000"/>
-              <a:buFont typeface="Wingdings" pitchFamily="2" charset="2"/>
-              <a:buChar char="§"/>
-            </a:pPr>
-            <a:r>
-              <a:rPr lang="en-US" sz="1600" dirty="0">
+              <a:rPr lang="en-US" dirty="0">
                 <a:solidFill>
                   <a:schemeClr val="tx2"/>
                 </a:solidFill>
@@ -7473,39 +7197,6 @@
               <a:buChar char="•"/>
             </a:pPr>
             <a:endParaRPr lang="en-US" sz="1100" dirty="0"/>
-          </a:p>
-        </p:txBody>
-      </p:sp>
-      <p:sp>
-        <p:nvSpPr>
-          <p:cNvPr id="5" name="Date Placeholder 4">
-            <a:extLst>
-              <a:ext uri="{FF2B5EF4-FFF2-40B4-BE49-F238E27FC236}">
-                <a16:creationId xmlns:a16="http://schemas.microsoft.com/office/drawing/2014/main" id="{3895F68E-AD52-6940-BB1D-2A3FF3B25DF3}"/>
-              </a:ext>
-            </a:extLst>
-          </p:cNvPr>
-          <p:cNvSpPr>
-            <a:spLocks noGrp="1"/>
-          </p:cNvSpPr>
-          <p:nvPr>
-            <p:ph type="dt" sz="half" idx="10"/>
-          </p:nvPr>
-        </p:nvSpPr>
-        <p:spPr/>
-        <p:txBody>
-          <a:bodyPr/>
-          <a:lstStyle/>
-          <a:p>
-            <a:r>
-              <a:rPr lang="en-US"/>
-              <a:t>Last Edit: </a:t>
-            </a:r>
-            <a:fld id="{29589E01-ADC6-514B-8288-6704FA8BD29C}" type="datetime1">
-              <a:rPr lang="en-US" smtClean="0"/>
-              <a:t>7/18/18</a:t>
-            </a:fld>
-            <a:endParaRPr lang="en-US" dirty="0"/>
           </a:p>
         </p:txBody>
       </p:sp>
@@ -7531,8 +7222,12 @@
           <a:lstStyle/>
           <a:p>
             <a:r>
-              <a:rPr lang="en-US"/>
-              <a:t>Copyright 2018, FLL TUTORIALS</a:t>
+              <a:rPr lang="en-US" dirty="0"/>
+              <a:t>Copyright 2022, </a:t>
+            </a:r>
+            <a:r>
+              <a:rPr lang="en-US" dirty="0" err="1"/>
+              <a:t>FLLTutorials.com</a:t>
             </a:r>
             <a:endParaRPr lang="en-US" dirty="0"/>
           </a:p>
@@ -7566,8 +7261,8 @@
         </p:blipFill>
         <p:spPr>
           <a:xfrm>
-            <a:off x="4662749" y="2198628"/>
-            <a:ext cx="4094673" cy="3071005"/>
+            <a:off x="5809135" y="1833504"/>
+            <a:ext cx="2877322" cy="2157992"/>
           </a:xfrm>
           <a:prstGeom prst="rect">
             <a:avLst/>
@@ -7578,324 +7273,6 @@
     <p:extLst>
       <p:ext uri="{BB962C8B-B14F-4D97-AF65-F5344CB8AC3E}">
         <p14:creationId xmlns:p14="http://schemas.microsoft.com/office/powerpoint/2010/main" val="3284732318"/>
-      </p:ext>
-    </p:extLst>
-  </p:cSld>
-  <p:clrMapOvr>
-    <a:masterClrMapping/>
-  </p:clrMapOvr>
-</p:sld>
-</file>
-
-<file path=ppt/slides/slide8.xml><?xml version="1.0" encoding="utf-8"?>
-<p:sld xmlns:a="http://schemas.openxmlformats.org/drawingml/2006/main" xmlns:r="http://schemas.openxmlformats.org/officeDocument/2006/relationships" xmlns:p="http://schemas.openxmlformats.org/presentationml/2006/main">
-  <p:cSld>
-    <p:spTree>
-      <p:nvGrpSpPr>
-        <p:cNvPr id="1" name=""/>
-        <p:cNvGrpSpPr/>
-        <p:nvPr/>
-      </p:nvGrpSpPr>
-      <p:grpSpPr>
-        <a:xfrm>
-          <a:off x="0" y="0"/>
-          <a:ext cx="0" cy="0"/>
-          <a:chOff x="0" y="0"/>
-          <a:chExt cx="0" cy="0"/>
-        </a:xfrm>
-      </p:grpSpPr>
-      <p:sp>
-        <p:nvSpPr>
-          <p:cNvPr id="2" name="Title 1"/>
-          <p:cNvSpPr>
-            <a:spLocks noGrp="1"/>
-          </p:cNvSpPr>
-          <p:nvPr>
-            <p:ph type="title"/>
-          </p:nvPr>
-        </p:nvSpPr>
-        <p:spPr/>
-        <p:txBody>
-          <a:bodyPr/>
-          <a:lstStyle/>
-          <a:p>
-            <a:r>
-              <a:rPr lang="en-US" dirty="0"/>
-              <a:t>WHY DO OUTREACH ACTIVITES?</a:t>
-            </a:r>
-          </a:p>
-        </p:txBody>
-      </p:sp>
-      <p:sp>
-        <p:nvSpPr>
-          <p:cNvPr id="3" name="Content Placeholder 2"/>
-          <p:cNvSpPr>
-            <a:spLocks noGrp="1"/>
-          </p:cNvSpPr>
-          <p:nvPr>
-            <p:ph idx="1"/>
-          </p:nvPr>
-        </p:nvSpPr>
-        <p:spPr>
-          <a:xfrm>
-            <a:off x="366946" y="1710911"/>
-            <a:ext cx="4023560" cy="4350488"/>
-          </a:xfrm>
-        </p:spPr>
-        <p:txBody>
-          <a:bodyPr>
-            <a:normAutofit/>
-          </a:bodyPr>
-          <a:lstStyle/>
-          <a:p>
-            <a:pPr>
-              <a:buFont typeface="Wingdings" pitchFamily="2" charset="2"/>
-              <a:buChar char="§"/>
-            </a:pPr>
-            <a:r>
-              <a:rPr lang="en-US" sz="2800" dirty="0"/>
-              <a:t>Give back to the community </a:t>
-            </a:r>
-          </a:p>
-          <a:p>
-            <a:pPr>
-              <a:buFont typeface="Wingdings" pitchFamily="2" charset="2"/>
-              <a:buChar char="§"/>
-            </a:pPr>
-            <a:r>
-              <a:rPr lang="en-US" sz="2800" dirty="0"/>
-              <a:t>Share your knowledge </a:t>
-            </a:r>
-          </a:p>
-          <a:p>
-            <a:pPr>
-              <a:buFont typeface="Wingdings" pitchFamily="2" charset="2"/>
-              <a:buChar char="§"/>
-            </a:pPr>
-            <a:r>
-              <a:rPr lang="en-US" sz="2800" dirty="0"/>
-              <a:t>Share your passion for FIRST and STEM</a:t>
-            </a:r>
-          </a:p>
-          <a:p>
-            <a:pPr>
-              <a:buFont typeface="Wingdings" pitchFamily="2" charset="2"/>
-              <a:buChar char="§"/>
-            </a:pPr>
-            <a:r>
-              <a:rPr lang="en-US" sz="2800" dirty="0">
-                <a:solidFill>
-                  <a:schemeClr val="tx1"/>
-                </a:solidFill>
-              </a:rPr>
-              <a:t>Encourage other students and adults to participate in FIRST</a:t>
-            </a:r>
-            <a:endParaRPr lang="en-US" sz="1800" dirty="0">
-              <a:solidFill>
-                <a:schemeClr val="tx1"/>
-              </a:solidFill>
-            </a:endParaRPr>
-          </a:p>
-          <a:p>
-            <a:pPr marL="324000" lvl="1" indent="0">
-              <a:spcBef>
-                <a:spcPts val="0"/>
-              </a:spcBef>
-              <a:buClr>
-                <a:srgbClr val="FF0000"/>
-              </a:buClr>
-              <a:buSzPct val="100000"/>
-              <a:buNone/>
-            </a:pPr>
-            <a:endParaRPr lang="en-US" sz="1800" dirty="0">
-              <a:solidFill>
-                <a:schemeClr val="tx1"/>
-              </a:solidFill>
-            </a:endParaRPr>
-          </a:p>
-          <a:p>
-            <a:pPr marL="324000" lvl="1" indent="0">
-              <a:spcBef>
-                <a:spcPts val="0"/>
-              </a:spcBef>
-              <a:buClr>
-                <a:srgbClr val="FF0000"/>
-              </a:buClr>
-              <a:buSzPct val="100000"/>
-              <a:buNone/>
-            </a:pPr>
-            <a:endParaRPr lang="en-US" sz="1800" dirty="0">
-              <a:solidFill>
-                <a:schemeClr val="tx1"/>
-              </a:solidFill>
-            </a:endParaRPr>
-          </a:p>
-          <a:p>
-            <a:pPr marL="285750" indent="-285750">
-              <a:spcBef>
-                <a:spcPts val="0"/>
-              </a:spcBef>
-              <a:buClr>
-                <a:srgbClr val="FF0000"/>
-              </a:buClr>
-              <a:buSzPct val="100000"/>
-              <a:buFont typeface="Arial" charset="0"/>
-              <a:buChar char="•"/>
-            </a:pPr>
-            <a:endParaRPr lang="en-US" sz="2000" dirty="0">
-              <a:solidFill>
-                <a:schemeClr val="tx1"/>
-              </a:solidFill>
-            </a:endParaRPr>
-          </a:p>
-          <a:p>
-            <a:pPr marL="285750" indent="-285750">
-              <a:spcBef>
-                <a:spcPts val="0"/>
-              </a:spcBef>
-              <a:buClr>
-                <a:srgbClr val="FF0000"/>
-              </a:buClr>
-              <a:buSzPct val="100000"/>
-              <a:buFont typeface="Arial" charset="0"/>
-              <a:buChar char="•"/>
-            </a:pPr>
-            <a:endParaRPr lang="en-US" sz="2000" dirty="0">
-              <a:solidFill>
-                <a:schemeClr val="tx1"/>
-              </a:solidFill>
-            </a:endParaRPr>
-          </a:p>
-        </p:txBody>
-      </p:sp>
-      <p:sp>
-        <p:nvSpPr>
-          <p:cNvPr id="4" name="Slide Number Placeholder 3"/>
-          <p:cNvSpPr>
-            <a:spLocks noGrp="1"/>
-          </p:cNvSpPr>
-          <p:nvPr>
-            <p:ph type="sldNum" sz="quarter" idx="12"/>
-          </p:nvPr>
-        </p:nvSpPr>
-        <p:spPr/>
-        <p:txBody>
-          <a:bodyPr/>
-          <a:lstStyle/>
-          <a:p>
-            <a:fld id="{5295A1AA-1C1C-1D42-A68A-D4A2E4B47F7A}" type="slidenum">
-              <a:rPr lang="en-US" smtClean="0"/>
-              <a:t>8</a:t>
-            </a:fld>
-            <a:endParaRPr lang="en-US"/>
-          </a:p>
-        </p:txBody>
-      </p:sp>
-      <p:sp>
-        <p:nvSpPr>
-          <p:cNvPr id="5" name="Date Placeholder 4">
-            <a:extLst>
-              <a:ext uri="{FF2B5EF4-FFF2-40B4-BE49-F238E27FC236}">
-                <a16:creationId xmlns:a16="http://schemas.microsoft.com/office/drawing/2014/main" id="{F874140E-B854-E74F-85CF-3C40008ABDF4}"/>
-              </a:ext>
-            </a:extLst>
-          </p:cNvPr>
-          <p:cNvSpPr>
-            <a:spLocks noGrp="1"/>
-          </p:cNvSpPr>
-          <p:nvPr>
-            <p:ph type="dt" sz="half" idx="10"/>
-          </p:nvPr>
-        </p:nvSpPr>
-        <p:spPr/>
-        <p:txBody>
-          <a:bodyPr/>
-          <a:lstStyle/>
-          <a:p>
-            <a:r>
-              <a:rPr lang="en-US"/>
-              <a:t>Last Edit: </a:t>
-            </a:r>
-            <a:fld id="{775A5F9A-15DA-9548-9751-5221FA41CD1C}" type="datetime1">
-              <a:rPr lang="en-US" smtClean="0"/>
-              <a:t>7/18/18</a:t>
-            </a:fld>
-            <a:endParaRPr lang="en-US" dirty="0"/>
-          </a:p>
-        </p:txBody>
-      </p:sp>
-      <p:sp>
-        <p:nvSpPr>
-          <p:cNvPr id="8" name="Footer Placeholder 7">
-            <a:extLst>
-              <a:ext uri="{FF2B5EF4-FFF2-40B4-BE49-F238E27FC236}">
-                <a16:creationId xmlns:a16="http://schemas.microsoft.com/office/drawing/2014/main" id="{22C27044-D574-3C44-8D7B-98AB5005F0EA}"/>
-              </a:ext>
-            </a:extLst>
-          </p:cNvPr>
-          <p:cNvSpPr>
-            <a:spLocks noGrp="1"/>
-          </p:cNvSpPr>
-          <p:nvPr>
-            <p:ph type="ftr" sz="quarter" idx="11"/>
-          </p:nvPr>
-        </p:nvSpPr>
-        <p:spPr/>
-        <p:txBody>
-          <a:bodyPr/>
-          <a:lstStyle/>
-          <a:p>
-            <a:r>
-              <a:rPr lang="en-US"/>
-              <a:t>Copyright 2018, FLL TUTORIALS</a:t>
-            </a:r>
-            <a:endParaRPr lang="en-US" dirty="0"/>
-          </a:p>
-        </p:txBody>
-      </p:sp>
-      <p:pic>
-        <p:nvPicPr>
-          <p:cNvPr id="9" name="Picture 8">
-            <a:extLst>
-              <a:ext uri="{FF2B5EF4-FFF2-40B4-BE49-F238E27FC236}">
-                <a16:creationId xmlns:a16="http://schemas.microsoft.com/office/drawing/2014/main" id="{875103EA-FB29-462A-8B24-90C8E52DE1D8}"/>
-              </a:ext>
-              <a:ext uri="{C183D7F6-B498-43B3-948B-1728B52AA6E4}">
-                <adec:decorative xmlns:adec="http://schemas.microsoft.com/office/drawing/2017/decorative" val="1"/>
-              </a:ext>
-            </a:extLst>
-          </p:cNvPr>
-          <p:cNvPicPr>
-            <a:picLocks noChangeAspect="1"/>
-          </p:cNvPicPr>
-          <p:nvPr/>
-        </p:nvPicPr>
-        <p:blipFill>
-          <a:blip r:embed="rId2" cstate="print">
-            <a:extLst>
-              <a:ext uri="{28A0092B-C50C-407E-A947-70E740481C1C}">
-                <a14:useLocalDpi xmlns:a14="http://schemas.microsoft.com/office/drawing/2010/main"/>
-              </a:ext>
-            </a:extLst>
-          </a:blip>
-          <a:stretch>
-            <a:fillRect/>
-          </a:stretch>
-        </p:blipFill>
-        <p:spPr>
-          <a:xfrm>
-            <a:off x="4390506" y="2132575"/>
-            <a:ext cx="4243167" cy="3182375"/>
-          </a:xfrm>
-          <a:prstGeom prst="rect">
-            <a:avLst/>
-          </a:prstGeom>
-        </p:spPr>
-      </p:pic>
-    </p:spTree>
-    <p:extLst>
-      <p:ext uri="{BB962C8B-B14F-4D97-AF65-F5344CB8AC3E}">
-        <p14:creationId xmlns:p14="http://schemas.microsoft.com/office/powerpoint/2010/main" val="2435129757"/>
       </p:ext>
     </p:extLst>
   </p:cSld>
@@ -7939,7 +7316,7 @@
           <a:p>
             <a:r>
               <a:rPr lang="en-US" dirty="0"/>
-              <a:t>JUDGING CORE VALUES - OVERVIEW</a:t>
+              <a:t>MOST IMPORTANT: Embrace CORE VALUES</a:t>
             </a:r>
           </a:p>
         </p:txBody>
@@ -7956,65 +7333,46 @@
         </p:nvSpPr>
         <p:spPr>
           <a:xfrm>
-            <a:off x="448091" y="1505583"/>
-            <a:ext cx="4929041" cy="4353215"/>
+            <a:off x="448092" y="1854200"/>
+            <a:ext cx="3882368" cy="4004598"/>
           </a:xfrm>
         </p:spPr>
         <p:txBody>
           <a:bodyPr>
-            <a:normAutofit lnSpcReduction="10000"/>
+            <a:normAutofit/>
           </a:bodyPr>
           <a:lstStyle/>
           <a:p>
+            <a:pPr>
+              <a:buFont typeface="Wingdings" panose="05000000000000000000" pitchFamily="2" charset="2"/>
+              <a:buChar char="§"/>
+            </a:pPr>
             <a:r>
               <a:rPr lang="en-US" sz="2800" dirty="0"/>
-              <a:t>Judges present a team activity</a:t>
-            </a:r>
-          </a:p>
-          <a:p>
+              <a:t>Core Values is not just something you do. </a:t>
+            </a:r>
+          </a:p>
+          <a:p>
+            <a:pPr>
+              <a:buFont typeface="Wingdings" panose="05000000000000000000" pitchFamily="2" charset="2"/>
+              <a:buChar char="§"/>
+            </a:pPr>
             <a:r>
               <a:rPr lang="en-US" sz="2800" dirty="0"/>
-              <a:t>The team will then get to present their Core Values poster</a:t>
-            </a:r>
-          </a:p>
-          <a:p>
+              <a:t>It is a way, a </a:t>
+            </a:r>
+            <a:r>
+              <a:rPr lang="en-US" sz="2800" i="1" dirty="0">
+                <a:solidFill>
+                  <a:srgbClr val="FF0000"/>
+                </a:solidFill>
+              </a:rPr>
+              <a:t>METHOD</a:t>
+            </a:r>
             <a:r>
               <a:rPr lang="en-US" sz="2800" dirty="0"/>
-              <a:t>Judges will ask follow-up questions about events presented on poster, and additional questions about applying core values outside of FIRST LEGO League</a:t>
-            </a:r>
-          </a:p>
-        </p:txBody>
-      </p:sp>
-      <p:sp>
-        <p:nvSpPr>
-          <p:cNvPr id="5" name="Date Placeholder 4">
-            <a:extLst>
-              <a:ext uri="{FF2B5EF4-FFF2-40B4-BE49-F238E27FC236}">
-                <a16:creationId xmlns:a16="http://schemas.microsoft.com/office/drawing/2014/main" id="{5D1E09E9-3701-C846-A73C-66EABC5BE961}"/>
-              </a:ext>
-            </a:extLst>
-          </p:cNvPr>
-          <p:cNvSpPr>
-            <a:spLocks noGrp="1"/>
-          </p:cNvSpPr>
-          <p:nvPr>
-            <p:ph type="dt" sz="half" idx="10"/>
-          </p:nvPr>
-        </p:nvSpPr>
-        <p:spPr/>
-        <p:txBody>
-          <a:bodyPr/>
-          <a:lstStyle/>
-          <a:p>
-            <a:r>
-              <a:rPr lang="en-US"/>
-              <a:t>Last Edit: </a:t>
-            </a:r>
-            <a:fld id="{3BBABA86-C064-2B42-8375-87652C8C23C2}" type="datetime1">
-              <a:rPr lang="en-US" smtClean="0"/>
-              <a:t>7/18/18</a:t>
-            </a:fld>
-            <a:endParaRPr lang="en-US" dirty="0"/>
+              <a:t> of doing things that builds character and guides us throughout the whole experience! </a:t>
+            </a:r>
           </a:p>
         </p:txBody>
       </p:sp>
@@ -8041,8 +7399,13 @@
           <a:p>
             <a:r>
               <a:rPr lang="en-US" dirty="0"/>
-              <a:t>Copyright 2018, FLL TUTORIALS</a:t>
-            </a:r>
+              <a:t>Copyright 2022, </a:t>
+            </a:r>
+            <a:r>
+              <a:rPr lang="en-US" dirty="0" err="1"/>
+              <a:t>FLLTutorials.com</a:t>
+            </a:r>
+            <a:endParaRPr lang="en-US" dirty="0"/>
           </a:p>
         </p:txBody>
       </p:sp>
@@ -8181,10 +7544,10 @@
       </p:sp>
       <p:pic>
         <p:nvPicPr>
-          <p:cNvPr id="10" name="Picture 9">
+          <p:cNvPr id="6" name="Picture 5" descr="A group of people standing in a room&#10;&#10;Description generated with very high confidence">
             <a:extLst>
               <a:ext uri="{FF2B5EF4-FFF2-40B4-BE49-F238E27FC236}">
-                <a16:creationId xmlns:a16="http://schemas.microsoft.com/office/drawing/2014/main" id="{C2DBEAD0-BE60-DE4A-BA94-A45B0074F24E}"/>
+                <a16:creationId xmlns:a16="http://schemas.microsoft.com/office/drawing/2014/main" id="{D6C7A24D-B992-4DFF-9B94-4955B88ECAED}"/>
               </a:ext>
             </a:extLst>
           </p:cNvPr>
@@ -8206,55 +7569,49 @@
           </a:stretch>
         </p:blipFill>
         <p:spPr>
-          <a:xfrm>
-            <a:off x="5795152" y="4071667"/>
-            <a:ext cx="2764974" cy="1836928"/>
+          <a:xfrm rot="10800000" flipV="1">
+            <a:off x="4635282" y="2189056"/>
+            <a:ext cx="3981690" cy="2986268"/>
           </a:xfrm>
           <a:prstGeom prst="rect">
             <a:avLst/>
           </a:prstGeom>
         </p:spPr>
       </p:pic>
-      <p:pic>
-        <p:nvPicPr>
-          <p:cNvPr id="11" name="Picture 10">
+      <p:sp>
+        <p:nvSpPr>
+          <p:cNvPr id="4" name="Slide Number Placeholder 3">
             <a:extLst>
               <a:ext uri="{FF2B5EF4-FFF2-40B4-BE49-F238E27FC236}">
-                <a16:creationId xmlns:a16="http://schemas.microsoft.com/office/drawing/2014/main" id="{9A8F39AE-44AD-2343-9108-94B741C52639}"/>
+                <a16:creationId xmlns:a16="http://schemas.microsoft.com/office/drawing/2014/main" id="{3ACC283B-F5C1-6C4C-A7F3-73E863FA844C}"/>
               </a:ext>
             </a:extLst>
           </p:cNvPr>
-          <p:cNvPicPr>
-            <a:picLocks noChangeAspect="1"/>
-          </p:cNvPicPr>
-          <p:nvPr/>
-        </p:nvPicPr>
-        <p:blipFill>
-          <a:blip r:embed="rId3" cstate="print">
-            <a:extLst>
-              <a:ext uri="{28A0092B-C50C-407E-A947-70E740481C1C}">
-                <a14:useLocalDpi xmlns:a14="http://schemas.microsoft.com/office/drawing/2010/main"/>
-              </a:ext>
-            </a:extLst>
-          </a:blip>
-          <a:stretch>
-            <a:fillRect/>
-          </a:stretch>
-        </p:blipFill>
-        <p:spPr>
-          <a:xfrm>
-            <a:off x="5795151" y="1686912"/>
-            <a:ext cx="2772365" cy="2079274"/>
-          </a:xfrm>
-          <a:prstGeom prst="rect">
-            <a:avLst/>
-          </a:prstGeom>
-        </p:spPr>
-      </p:pic>
+          <p:cNvSpPr>
+            <a:spLocks noGrp="1"/>
+          </p:cNvSpPr>
+          <p:nvPr>
+            <p:ph type="sldNum" sz="quarter" idx="12"/>
+          </p:nvPr>
+        </p:nvSpPr>
+        <p:spPr/>
+        <p:txBody>
+          <a:bodyPr/>
+          <a:lstStyle/>
+          <a:p>
+            <a:fld id="{D57F1E4F-1CFF-5643-939E-217C01CDF565}" type="slidenum">
+              <a:rPr lang="en-US" smtClean="0"/>
+              <a:pPr/>
+              <a:t>9</a:t>
+            </a:fld>
+            <a:endParaRPr lang="en-US" dirty="0"/>
+          </a:p>
+        </p:txBody>
+      </p:sp>
     </p:spTree>
     <p:extLst>
       <p:ext uri="{BB962C8B-B14F-4D97-AF65-F5344CB8AC3E}">
-        <p14:creationId xmlns:p14="http://schemas.microsoft.com/office/powerpoint/2010/main" val="471225510"/>
+        <p14:creationId xmlns:p14="http://schemas.microsoft.com/office/powerpoint/2010/main" val="825474759"/>
       </p:ext>
     </p:extLst>
   </p:cSld>
